--- a/Course Work/Презентация проекта.pptx
+++ b/Course Work/Презентация проекта.pptx
@@ -6,7 +6,7 @@
     <p:sldMasterId id="2147483661" r:id="rId2"/>
   </p:sldMasterIdLst>
   <p:notesMasterIdLst>
-    <p:notesMasterId r:id="rId11"/>
+    <p:notesMasterId r:id="rId15"/>
   </p:notesMasterIdLst>
   <p:sldIdLst>
     <p:sldId id="256" r:id="rId3"/>
@@ -15,8 +15,12 @@
     <p:sldId id="349" r:id="rId6"/>
     <p:sldId id="306" r:id="rId7"/>
     <p:sldId id="353" r:id="rId8"/>
-    <p:sldId id="352" r:id="rId9"/>
-    <p:sldId id="307" r:id="rId10"/>
+    <p:sldId id="354" r:id="rId9"/>
+    <p:sldId id="356" r:id="rId10"/>
+    <p:sldId id="357" r:id="rId11"/>
+    <p:sldId id="352" r:id="rId12"/>
+    <p:sldId id="355" r:id="rId13"/>
+    <p:sldId id="307" r:id="rId14"/>
   </p:sldIdLst>
   <p:sldSz cx="12192000" cy="6858000"/>
   <p:notesSz cx="6858000" cy="12192000"/>
@@ -216,7 +220,7 @@
           <a:p>
             <a:fld id="{B04DCA98-92C0-4F48-89D1-3FD303C7CE35}" type="datetimeFigureOut">
               <a:rPr lang="ru-RU" smtClean="0"/>
-              <a:t>08.06.2021</a:t>
+              <a:t>11.06.2021</a:t>
             </a:fld>
             <a:endParaRPr lang="ru-RU"/>
           </a:p>
@@ -548,7 +552,7 @@
           <a:p>
             <a:fld id="{7B5F47EF-21AF-41BD-AB82-5A4B797CA39E}" type="slidenum">
               <a:rPr lang="ru-RU" smtClean="0"/>
-              <a:t>8</a:t>
+              <a:t>12</a:t>
             </a:fld>
             <a:endParaRPr lang="ru-RU"/>
           </a:p>
@@ -705,7 +709,7 @@
             </a:pPr>
             <a:fld id="{F9A2CB3F-9E6C-4531-82DF-EF260906E9D5}" type="datetimeFigureOut">
               <a:rPr lang="ru-RU"/>
-              <a:t>08.06.2021</a:t>
+              <a:t>11.06.2021</a:t>
             </a:fld>
             <a:endParaRPr lang="ru-RU"/>
           </a:p>
@@ -894,7 +898,7 @@
             </a:pPr>
             <a:fld id="{F9A2CB3F-9E6C-4531-82DF-EF260906E9D5}" type="datetimeFigureOut">
               <a:rPr lang="ru-RU"/>
-              <a:t>08.06.2021</a:t>
+              <a:t>11.06.2021</a:t>
             </a:fld>
             <a:endParaRPr lang="ru-RU"/>
           </a:p>
@@ -1093,7 +1097,7 @@
             </a:pPr>
             <a:fld id="{F9A2CB3F-9E6C-4531-82DF-EF260906E9D5}" type="datetimeFigureOut">
               <a:rPr lang="ru-RU"/>
-              <a:t>08.06.2021</a:t>
+              <a:t>11.06.2021</a:t>
             </a:fld>
             <a:endParaRPr lang="ru-RU"/>
           </a:p>
@@ -1312,7 +1316,7 @@
             </a:pPr>
             <a:fld id="{1D8BD707-D9CF-40AE-B4C6-C98DA3205C09}" type="datetimeFigureOut">
               <a:rPr lang="en-US"/>
-              <a:t>6/8/2021</a:t>
+              <a:t>6/11/2021</a:t>
             </a:fld>
             <a:endParaRPr lang="en-US"/>
           </a:p>
@@ -1917,7 +1921,7 @@
             </a:pPr>
             <a:fld id="{1D8BD707-D9CF-40AE-B4C6-C98DA3205C09}" type="datetimeFigureOut">
               <a:rPr lang="en-US"/>
-              <a:t>6/8/2021</a:t>
+              <a:t>6/11/2021</a:t>
             </a:fld>
             <a:endParaRPr lang="en-US"/>
           </a:p>
@@ -2120,7 +2124,7 @@
             </a:pPr>
             <a:fld id="{1D8BD707-D9CF-40AE-B4C6-C98DA3205C09}" type="datetimeFigureOut">
               <a:rPr lang="en-US"/>
-              <a:t>6/8/2021</a:t>
+              <a:t>6/11/2021</a:t>
             </a:fld>
             <a:endParaRPr lang="en-US"/>
           </a:p>
@@ -2541,7 +2545,7 @@
             </a:pPr>
             <a:fld id="{1D8BD707-D9CF-40AE-B4C6-C98DA3205C09}" type="datetimeFigureOut">
               <a:rPr lang="en-US"/>
-              <a:t>6/8/2021</a:t>
+              <a:t>6/11/2021</a:t>
             </a:fld>
             <a:endParaRPr lang="en-US"/>
           </a:p>
@@ -2684,7 +2688,7 @@
             </a:pPr>
             <a:fld id="{1D8BD707-D9CF-40AE-B4C6-C98DA3205C09}" type="datetimeFigureOut">
               <a:rPr lang="en-US"/>
-              <a:t>6/8/2021</a:t>
+              <a:t>6/11/2021</a:t>
             </a:fld>
             <a:endParaRPr lang="en-US"/>
           </a:p>
@@ -2873,7 +2877,7 @@
             </a:pPr>
             <a:fld id="{F9A2CB3F-9E6C-4531-82DF-EF260906E9D5}" type="datetimeFigureOut">
               <a:rPr lang="ru-RU"/>
-              <a:t>08.06.2021</a:t>
+              <a:t>11.06.2021</a:t>
             </a:fld>
             <a:endParaRPr lang="ru-RU"/>
           </a:p>
@@ -3052,7 +3056,7 @@
             </a:pPr>
             <a:fld id="{1D8BD707-D9CF-40AE-B4C6-C98DA3205C09}" type="datetimeFigureOut">
               <a:rPr lang="en-US"/>
-              <a:t>6/8/2021</a:t>
+              <a:t>6/11/2021</a:t>
             </a:fld>
             <a:endParaRPr lang="en-US"/>
           </a:p>
@@ -3260,7 +3264,7 @@
             </a:pPr>
             <a:fld id="{1D8BD707-D9CF-40AE-B4C6-C98DA3205C09}" type="datetimeFigureOut">
               <a:rPr lang="en-US"/>
-              <a:t>6/8/2021</a:t>
+              <a:t>6/11/2021</a:t>
             </a:fld>
             <a:endParaRPr lang="en-US"/>
           </a:p>
@@ -3431,7 +3435,7 @@
             </a:pPr>
             <a:fld id="{1D8BD707-D9CF-40AE-B4C6-C98DA3205C09}" type="datetimeFigureOut">
               <a:rPr lang="en-US"/>
-              <a:t>6/8/2021</a:t>
+              <a:t>6/11/2021</a:t>
             </a:fld>
             <a:endParaRPr lang="en-US"/>
           </a:p>
@@ -3685,7 +3689,7 @@
             </a:pPr>
             <a:fld id="{1D8BD707-D9CF-40AE-B4C6-C98DA3205C09}" type="datetimeFigureOut">
               <a:rPr lang="en-US"/>
-              <a:t>6/8/2021</a:t>
+              <a:t>6/11/2021</a:t>
             </a:fld>
             <a:endParaRPr lang="en-US"/>
           </a:p>
@@ -3794,7 +3798,7 @@
             </a:pPr>
             <a:fld id="{1D8BD707-D9CF-40AE-B4C6-C98DA3205C09}" type="datetimeFigureOut">
               <a:rPr lang="en-US"/>
-              <a:t>6/8/2021</a:t>
+              <a:t>6/11/2021</a:t>
             </a:fld>
             <a:endParaRPr lang="en-US"/>
           </a:p>
@@ -3985,7 +3989,7 @@
             </a:pPr>
             <a:fld id="{1D8BD707-D9CF-40AE-B4C6-C98DA3205C09}" type="datetimeFigureOut">
               <a:rPr lang="en-US"/>
-              <a:t>6/8/2021</a:t>
+              <a:t>6/11/2021</a:t>
             </a:fld>
             <a:endParaRPr lang="en-US"/>
           </a:p>
@@ -4084,7 +4088,7 @@
             </a:pPr>
             <a:fld id="{1D8BD707-D9CF-40AE-B4C6-C98DA3205C09}" type="datetimeFigureOut">
               <a:rPr lang="en-US"/>
-              <a:t>6/8/2021</a:t>
+              <a:t>6/11/2021</a:t>
             </a:fld>
             <a:endParaRPr lang="en-US"/>
           </a:p>
@@ -4226,7 +4230,7 @@
             </a:pPr>
             <a:fld id="{1D8BD707-D9CF-40AE-B4C6-C98DA3205C09}" type="datetimeFigureOut">
               <a:rPr lang="en-US"/>
-              <a:t>6/8/2021</a:t>
+              <a:t>6/11/2021</a:t>
             </a:fld>
             <a:endParaRPr lang="en-US"/>
           </a:p>
@@ -4804,7 +4808,7 @@
             </a:pPr>
             <a:fld id="{F9A2CB3F-9E6C-4531-82DF-EF260906E9D5}" type="datetimeFigureOut">
               <a:rPr lang="ru-RU"/>
-              <a:t>08.06.2021</a:t>
+              <a:t>11.06.2021</a:t>
             </a:fld>
             <a:endParaRPr lang="ru-RU"/>
           </a:p>
@@ -5068,7 +5072,7 @@
             </a:pPr>
             <a:fld id="{F9A2CB3F-9E6C-4531-82DF-EF260906E9D5}" type="datetimeFigureOut">
               <a:rPr lang="ru-RU"/>
-              <a:t>08.06.2021</a:t>
+              <a:t>11.06.2021</a:t>
             </a:fld>
             <a:endParaRPr lang="ru-RU"/>
           </a:p>
@@ -5473,7 +5477,7 @@
             </a:pPr>
             <a:fld id="{F9A2CB3F-9E6C-4531-82DF-EF260906E9D5}" type="datetimeFigureOut">
               <a:rPr lang="ru-RU"/>
-              <a:t>08.06.2021</a:t>
+              <a:t>11.06.2021</a:t>
             </a:fld>
             <a:endParaRPr lang="ru-RU"/>
           </a:p>
@@ -5597,7 +5601,7 @@
             </a:pPr>
             <a:fld id="{F9A2CB3F-9E6C-4531-82DF-EF260906E9D5}" type="datetimeFigureOut">
               <a:rPr lang="ru-RU"/>
-              <a:t>08.06.2021</a:t>
+              <a:t>11.06.2021</a:t>
             </a:fld>
             <a:endParaRPr lang="ru-RU"/>
           </a:p>
@@ -5696,7 +5700,7 @@
             </a:pPr>
             <a:fld id="{F9A2CB3F-9E6C-4531-82DF-EF260906E9D5}" type="datetimeFigureOut">
               <a:rPr lang="ru-RU"/>
-              <a:t>08.06.2021</a:t>
+              <a:t>11.06.2021</a:t>
             </a:fld>
             <a:endParaRPr lang="ru-RU"/>
           </a:p>
@@ -5995,7 +5999,7 @@
             </a:pPr>
             <a:fld id="{F9A2CB3F-9E6C-4531-82DF-EF260906E9D5}" type="datetimeFigureOut">
               <a:rPr lang="ru-RU"/>
-              <a:t>08.06.2021</a:t>
+              <a:t>11.06.2021</a:t>
             </a:fld>
             <a:endParaRPr lang="ru-RU"/>
           </a:p>
@@ -6260,7 +6264,7 @@
             </a:pPr>
             <a:fld id="{F9A2CB3F-9E6C-4531-82DF-EF260906E9D5}" type="datetimeFigureOut">
               <a:rPr lang="ru-RU"/>
-              <a:t>08.06.2021</a:t>
+              <a:t>11.06.2021</a:t>
             </a:fld>
             <a:endParaRPr lang="ru-RU"/>
           </a:p>
@@ -6492,7 +6496,7 @@
             </a:pPr>
             <a:fld id="{F9A2CB3F-9E6C-4531-82DF-EF260906E9D5}" type="datetimeFigureOut">
               <a:rPr lang="ru-RU"/>
-              <a:t>08.06.2021</a:t>
+              <a:t>11.06.2021</a:t>
             </a:fld>
             <a:endParaRPr lang="ru-RU"/>
           </a:p>
@@ -6990,7 +6994,7 @@
             </a:pPr>
             <a:fld id="{1D8BD707-D9CF-40AE-B4C6-C98DA3205C09}" type="datetimeFigureOut">
               <a:rPr lang="en-US"/>
-              <a:t>6/8/2021</a:t>
+              <a:t>6/11/2021</a:t>
             </a:fld>
             <a:endParaRPr lang="en-US"/>
           </a:p>
@@ -7900,6 +7904,478 @@
         </p:txBody>
       </p:sp>
     </p:spTree>
+  </p:cSld>
+  <p:clrMapOvr>
+    <a:masterClrMapping/>
+  </p:clrMapOvr>
+</p:sld>
+</file>
+
+<file path=ppt/slides/slide10.xml><?xml version="1.0" encoding="utf-8"?>
+<p:sld xmlns:a="http://schemas.openxmlformats.org/drawingml/2006/main" xmlns:r="http://schemas.openxmlformats.org/officeDocument/2006/relationships" xmlns:p="http://schemas.openxmlformats.org/presentationml/2006/main" showMasterPhAnim="0">
+  <p:cSld>
+    <p:spTree>
+      <p:nvGrpSpPr>
+        <p:cNvPr id="1" name=""/>
+        <p:cNvGrpSpPr/>
+        <p:nvPr/>
+      </p:nvGrpSpPr>
+      <p:grpSpPr bwMode="auto">
+        <a:xfrm>
+          <a:off x="0" y="0"/>
+          <a:ext cx="0" cy="0"/>
+          <a:chOff x="0" y="0"/>
+          <a:chExt cx="0" cy="0"/>
+        </a:xfrm>
+      </p:grpSpPr>
+      <p:sp>
+        <p:nvSpPr>
+          <p:cNvPr id="18" name="Title 7">
+            <a:extLst>
+              <a:ext uri="{FF2B5EF4-FFF2-40B4-BE49-F238E27FC236}">
+                <a16:creationId xmlns:a16="http://schemas.microsoft.com/office/drawing/2014/main" xmlns="" id="{E195DE7B-42F0-4CAA-AAB0-D33DB61C53CA}"/>
+              </a:ext>
+            </a:extLst>
+          </p:cNvPr>
+          <p:cNvSpPr>
+            <a:spLocks/>
+          </p:cNvSpPr>
+          <p:nvPr/>
+        </p:nvSpPr>
+        <p:spPr bwMode="auto">
+          <a:xfrm>
+            <a:off x="191344" y="285978"/>
+            <a:ext cx="12169352" cy="694750"/>
+          </a:xfrm>
+          <a:prstGeom prst="rect">
+            <a:avLst/>
+          </a:prstGeom>
+        </p:spPr>
+        <p:txBody>
+          <a:bodyPr lIns="0" tIns="0" rIns="0" bIns="0"/>
+          <a:lstStyle>
+            <a:lvl1pPr algn="l" defTabSz="914400">
+              <a:lnSpc>
+                <a:spcPct val="90000"/>
+              </a:lnSpc>
+              <a:spcBef>
+                <a:spcPts val="0"/>
+              </a:spcBef>
+              <a:buNone/>
+              <a:defRPr sz="4400" b="0" i="0">
+                <a:solidFill>
+                  <a:schemeClr val="tx1"/>
+                </a:solidFill>
+                <a:latin typeface="SB Sans Display Regular"/>
+                <a:ea typeface="+mj-ea"/>
+                <a:cs typeface="+mj-cs"/>
+              </a:defRPr>
+            </a:lvl1pPr>
+          </a:lstStyle>
+          <a:p>
+            <a:pPr>
+              <a:defRPr/>
+            </a:pPr>
+            <a:r>
+              <a:rPr lang="ru-RU" sz="4000" dirty="0">
+                <a:solidFill>
+                  <a:srgbClr val="333F48"/>
+                </a:solidFill>
+              </a:rPr>
+              <a:t>Пример отчета</a:t>
+            </a:r>
+            <a:endParaRPr lang="ru-RU" sz="1600" dirty="0"/>
+          </a:p>
+        </p:txBody>
+      </p:sp>
+      <p:sp>
+        <p:nvSpPr>
+          <p:cNvPr id="4" name="Title 7">
+            <a:extLst>
+              <a:ext uri="{FF2B5EF4-FFF2-40B4-BE49-F238E27FC236}">
+                <a16:creationId xmlns:a16="http://schemas.microsoft.com/office/drawing/2014/main" xmlns="" id="{E195DE7B-42F0-4CAA-AAB0-D33DB61C53CA}"/>
+              </a:ext>
+            </a:extLst>
+          </p:cNvPr>
+          <p:cNvSpPr>
+            <a:spLocks/>
+          </p:cNvSpPr>
+          <p:nvPr/>
+        </p:nvSpPr>
+        <p:spPr bwMode="auto">
+          <a:xfrm>
+            <a:off x="551384" y="2348880"/>
+            <a:ext cx="10244945" cy="1600029"/>
+          </a:xfrm>
+          <a:prstGeom prst="rect">
+            <a:avLst/>
+          </a:prstGeom>
+        </p:spPr>
+        <p:txBody>
+          <a:bodyPr lIns="0" tIns="0" rIns="0" bIns="0"/>
+          <a:lstStyle>
+            <a:lvl1pPr algn="l" defTabSz="914400">
+              <a:lnSpc>
+                <a:spcPct val="90000"/>
+              </a:lnSpc>
+              <a:spcBef>
+                <a:spcPts val="0"/>
+              </a:spcBef>
+              <a:buNone/>
+              <a:defRPr sz="4400" b="0" i="0">
+                <a:solidFill>
+                  <a:schemeClr val="tx1"/>
+                </a:solidFill>
+                <a:latin typeface="SB Sans Display Regular"/>
+                <a:ea typeface="+mj-ea"/>
+                <a:cs typeface="+mj-cs"/>
+              </a:defRPr>
+            </a:lvl1pPr>
+          </a:lstStyle>
+          <a:p>
+            <a:pPr>
+              <a:defRPr/>
+            </a:pPr>
+            <a:endParaRPr lang="ru-RU" sz="1600" dirty="0"/>
+          </a:p>
+        </p:txBody>
+      </p:sp>
+      <p:pic>
+        <p:nvPicPr>
+          <p:cNvPr id="2" name="Рисунок 1"/>
+          <p:cNvPicPr>
+            <a:picLocks noChangeAspect="1"/>
+          </p:cNvPicPr>
+          <p:nvPr/>
+        </p:nvPicPr>
+        <p:blipFill>
+          <a:blip r:embed="rId2"/>
+          <a:stretch>
+            <a:fillRect/>
+          </a:stretch>
+        </p:blipFill>
+        <p:spPr>
+          <a:xfrm>
+            <a:off x="193856" y="980728"/>
+            <a:ext cx="7915275" cy="5505450"/>
+          </a:xfrm>
+          <a:prstGeom prst="rect">
+            <a:avLst/>
+          </a:prstGeom>
+        </p:spPr>
+      </p:pic>
+    </p:spTree>
+    <p:extLst>
+      <p:ext uri="{BB962C8B-B14F-4D97-AF65-F5344CB8AC3E}">
+        <p14:creationId xmlns:p14="http://schemas.microsoft.com/office/powerpoint/2010/main" val="3303264672"/>
+      </p:ext>
+    </p:extLst>
+  </p:cSld>
+  <p:clrMapOvr>
+    <a:masterClrMapping/>
+  </p:clrMapOvr>
+</p:sld>
+</file>
+
+<file path=ppt/slides/slide11.xml><?xml version="1.0" encoding="utf-8"?>
+<p:sld xmlns:a="http://schemas.openxmlformats.org/drawingml/2006/main" xmlns:r="http://schemas.openxmlformats.org/officeDocument/2006/relationships" xmlns:p="http://schemas.openxmlformats.org/presentationml/2006/main" showMasterPhAnim="0">
+  <p:cSld>
+    <p:spTree>
+      <p:nvGrpSpPr>
+        <p:cNvPr id="1" name=""/>
+        <p:cNvGrpSpPr/>
+        <p:nvPr/>
+      </p:nvGrpSpPr>
+      <p:grpSpPr bwMode="auto">
+        <a:xfrm>
+          <a:off x="0" y="0"/>
+          <a:ext cx="0" cy="0"/>
+          <a:chOff x="0" y="0"/>
+          <a:chExt cx="0" cy="0"/>
+        </a:xfrm>
+      </p:grpSpPr>
+      <p:sp>
+        <p:nvSpPr>
+          <p:cNvPr id="18" name="Title 7">
+            <a:extLst>
+              <a:ext uri="{FF2B5EF4-FFF2-40B4-BE49-F238E27FC236}">
+                <a16:creationId xmlns:a16="http://schemas.microsoft.com/office/drawing/2014/main" xmlns="" id="{E195DE7B-42F0-4CAA-AAB0-D33DB61C53CA}"/>
+              </a:ext>
+            </a:extLst>
+          </p:cNvPr>
+          <p:cNvSpPr>
+            <a:spLocks/>
+          </p:cNvSpPr>
+          <p:nvPr/>
+        </p:nvSpPr>
+        <p:spPr bwMode="auto">
+          <a:xfrm>
+            <a:off x="191344" y="285978"/>
+            <a:ext cx="12169352" cy="694750"/>
+          </a:xfrm>
+          <a:prstGeom prst="rect">
+            <a:avLst/>
+          </a:prstGeom>
+        </p:spPr>
+        <p:txBody>
+          <a:bodyPr lIns="0" tIns="0" rIns="0" bIns="0"/>
+          <a:lstStyle>
+            <a:lvl1pPr algn="l" defTabSz="914400">
+              <a:lnSpc>
+                <a:spcPct val="90000"/>
+              </a:lnSpc>
+              <a:spcBef>
+                <a:spcPts val="0"/>
+              </a:spcBef>
+              <a:buNone/>
+              <a:defRPr sz="4400" b="0" i="0">
+                <a:solidFill>
+                  <a:schemeClr val="tx1"/>
+                </a:solidFill>
+                <a:latin typeface="SB Sans Display Regular"/>
+                <a:ea typeface="+mj-ea"/>
+                <a:cs typeface="+mj-cs"/>
+              </a:defRPr>
+            </a:lvl1pPr>
+          </a:lstStyle>
+          <a:p>
+            <a:pPr>
+              <a:defRPr/>
+            </a:pPr>
+            <a:r>
+              <a:rPr lang="ru-RU" sz="4000" dirty="0">
+                <a:solidFill>
+                  <a:srgbClr val="333F48"/>
+                </a:solidFill>
+              </a:rPr>
+              <a:t>Пример </a:t>
+            </a:r>
+            <a:r>
+              <a:rPr lang="ru-RU" sz="4000" dirty="0" smtClean="0">
+                <a:solidFill>
+                  <a:srgbClr val="333F48"/>
+                </a:solidFill>
+              </a:rPr>
+              <a:t>отчета</a:t>
+            </a:r>
+            <a:r>
+              <a:rPr lang="en-US" sz="4000" dirty="0" smtClean="0">
+                <a:solidFill>
+                  <a:srgbClr val="333F48"/>
+                </a:solidFill>
+              </a:rPr>
+              <a:t> </a:t>
+            </a:r>
+            <a:r>
+              <a:rPr lang="ru-RU" sz="4000" dirty="0" smtClean="0">
+                <a:solidFill>
+                  <a:srgbClr val="333F48"/>
+                </a:solidFill>
+              </a:rPr>
+              <a:t>при экспорте в </a:t>
+            </a:r>
+            <a:r>
+              <a:rPr lang="en-US" sz="4000" dirty="0" smtClean="0">
+                <a:solidFill>
+                  <a:srgbClr val="333F48"/>
+                </a:solidFill>
+              </a:rPr>
+              <a:t>Excel</a:t>
+            </a:r>
+            <a:endParaRPr lang="ru-RU" sz="1600" dirty="0"/>
+          </a:p>
+        </p:txBody>
+      </p:sp>
+      <p:sp>
+        <p:nvSpPr>
+          <p:cNvPr id="4" name="Title 7">
+            <a:extLst>
+              <a:ext uri="{FF2B5EF4-FFF2-40B4-BE49-F238E27FC236}">
+                <a16:creationId xmlns:a16="http://schemas.microsoft.com/office/drawing/2014/main" xmlns="" id="{E195DE7B-42F0-4CAA-AAB0-D33DB61C53CA}"/>
+              </a:ext>
+            </a:extLst>
+          </p:cNvPr>
+          <p:cNvSpPr>
+            <a:spLocks/>
+          </p:cNvSpPr>
+          <p:nvPr/>
+        </p:nvSpPr>
+        <p:spPr bwMode="auto">
+          <a:xfrm>
+            <a:off x="551384" y="2348880"/>
+            <a:ext cx="10244945" cy="1600029"/>
+          </a:xfrm>
+          <a:prstGeom prst="rect">
+            <a:avLst/>
+          </a:prstGeom>
+        </p:spPr>
+        <p:txBody>
+          <a:bodyPr lIns="0" tIns="0" rIns="0" bIns="0"/>
+          <a:lstStyle>
+            <a:lvl1pPr algn="l" defTabSz="914400">
+              <a:lnSpc>
+                <a:spcPct val="90000"/>
+              </a:lnSpc>
+              <a:spcBef>
+                <a:spcPts val="0"/>
+              </a:spcBef>
+              <a:buNone/>
+              <a:defRPr sz="4400" b="0" i="0">
+                <a:solidFill>
+                  <a:schemeClr val="tx1"/>
+                </a:solidFill>
+                <a:latin typeface="SB Sans Display Regular"/>
+                <a:ea typeface="+mj-ea"/>
+                <a:cs typeface="+mj-cs"/>
+              </a:defRPr>
+            </a:lvl1pPr>
+          </a:lstStyle>
+          <a:p>
+            <a:pPr>
+              <a:defRPr/>
+            </a:pPr>
+            <a:endParaRPr lang="ru-RU" sz="1600" dirty="0"/>
+          </a:p>
+        </p:txBody>
+      </p:sp>
+      <p:pic>
+        <p:nvPicPr>
+          <p:cNvPr id="3" name="Рисунок 2"/>
+          <p:cNvPicPr>
+            <a:picLocks noChangeAspect="1"/>
+          </p:cNvPicPr>
+          <p:nvPr/>
+        </p:nvPicPr>
+        <p:blipFill>
+          <a:blip r:embed="rId2"/>
+          <a:stretch>
+            <a:fillRect/>
+          </a:stretch>
+        </p:blipFill>
+        <p:spPr>
+          <a:xfrm>
+            <a:off x="695325" y="1195387"/>
+            <a:ext cx="10801350" cy="4467225"/>
+          </a:xfrm>
+          <a:prstGeom prst="rect">
+            <a:avLst/>
+          </a:prstGeom>
+        </p:spPr>
+      </p:pic>
+    </p:spTree>
+    <p:extLst>
+      <p:ext uri="{BB962C8B-B14F-4D97-AF65-F5344CB8AC3E}">
+        <p14:creationId xmlns:p14="http://schemas.microsoft.com/office/powerpoint/2010/main" val="1676160522"/>
+      </p:ext>
+    </p:extLst>
+  </p:cSld>
+  <p:clrMapOvr>
+    <a:masterClrMapping/>
+  </p:clrMapOvr>
+</p:sld>
+</file>
+
+<file path=ppt/slides/slide12.xml><?xml version="1.0" encoding="utf-8"?>
+<p:sld xmlns:a="http://schemas.openxmlformats.org/drawingml/2006/main" xmlns:r="http://schemas.openxmlformats.org/officeDocument/2006/relationships" xmlns:p="http://schemas.openxmlformats.org/presentationml/2006/main" showMasterPhAnim="0">
+  <p:cSld>
+    <p:spTree>
+      <p:nvGrpSpPr>
+        <p:cNvPr id="1" name=""/>
+        <p:cNvGrpSpPr/>
+        <p:nvPr/>
+      </p:nvGrpSpPr>
+      <p:grpSpPr bwMode="auto">
+        <a:xfrm>
+          <a:off x="0" y="0"/>
+          <a:ext cx="0" cy="0"/>
+          <a:chOff x="0" y="0"/>
+          <a:chExt cx="0" cy="0"/>
+        </a:xfrm>
+      </p:grpSpPr>
+      <p:sp>
+        <p:nvSpPr>
+          <p:cNvPr id="4" name="Заголовок 4"/>
+          <p:cNvSpPr>
+            <a:spLocks/>
+          </p:cNvSpPr>
+          <p:nvPr/>
+        </p:nvSpPr>
+        <p:spPr bwMode="auto">
+          <a:xfrm>
+            <a:off x="462443" y="2996952"/>
+            <a:ext cx="11161240" cy="1326541"/>
+          </a:xfrm>
+          <a:prstGeom prst="rect">
+            <a:avLst/>
+          </a:prstGeom>
+        </p:spPr>
+        <p:txBody>
+          <a:bodyPr vert="horz" lIns="0" tIns="0" rIns="0" bIns="0" anchor="t" anchorCtr="0"/>
+          <a:lstStyle>
+            <a:lvl1pPr>
+              <a:defRPr sz="6000" b="0" i="0">
+                <a:latin typeface="SB Sans Display Light"/>
+                <a:ea typeface="+mj-ea"/>
+                <a:cs typeface="SB Sans Display Light"/>
+              </a:defRPr>
+            </a:lvl1pPr>
+          </a:lstStyle>
+          <a:p>
+            <a:pPr algn="ctr">
+              <a:defRPr/>
+            </a:pPr>
+            <a:r>
+              <a:rPr lang="ru-RU" sz="5400" b="1" dirty="0">
+                <a:solidFill>
+                  <a:srgbClr val="333F48"/>
+                </a:solidFill>
+                <a:latin typeface="SB Sans Display Semibold"/>
+              </a:rPr>
+              <a:t>Спасибо за внимание!</a:t>
+            </a:r>
+            <a:r>
+              <a:rPr lang="en-US" sz="6000" i="0" u="none" strike="noStrike" cap="none" spc="0" dirty="0">
+                <a:ln>
+                  <a:noFill/>
+                </a:ln>
+                <a:solidFill>
+                  <a:srgbClr val="333F48"/>
+                </a:solidFill>
+                <a:latin typeface="SB Sans Display Light"/>
+                <a:ea typeface="+mj-ea"/>
+                <a:cs typeface="SB Sans Display Light"/>
+              </a:rPr>
+              <a:t> </a:t>
+            </a:r>
+            <a:endParaRPr lang="ru-RU" sz="1600" dirty="0"/>
+          </a:p>
+          <a:p>
+            <a:pPr marL="0" marR="0" lvl="0" indent="0" algn="ctr" defTabSz="914400">
+              <a:lnSpc>
+                <a:spcPct val="100000"/>
+              </a:lnSpc>
+              <a:spcBef>
+                <a:spcPts val="0"/>
+              </a:spcBef>
+              <a:spcAft>
+                <a:spcPts val="0"/>
+              </a:spcAft>
+              <a:buClrTx/>
+              <a:buSzTx/>
+              <a:buFontTx/>
+              <a:buNone/>
+              <a:defRPr/>
+            </a:pPr>
+            <a:endParaRPr lang="ru-RU" dirty="0"/>
+          </a:p>
+        </p:txBody>
+      </p:sp>
+    </p:spTree>
+    <p:extLst>
+      <p:ext uri="{BB962C8B-B14F-4D97-AF65-F5344CB8AC3E}">
+        <p14:creationId xmlns:p14="http://schemas.microsoft.com/office/powerpoint/2010/main" val="1458184671"/>
+      </p:ext>
+    </p:extLst>
   </p:cSld>
   <p:clrMapOvr>
     <a:masterClrMapping/>
@@ -11689,7 +12165,7 @@
         <p:spPr bwMode="auto">
           <a:xfrm>
             <a:off x="191344" y="285978"/>
-            <a:ext cx="12169352" cy="1206534"/>
+            <a:ext cx="12169352" cy="694750"/>
           </a:xfrm>
           <a:prstGeom prst="rect">
             <a:avLst/>
@@ -11726,7 +12202,7 @@
                   <a:srgbClr val="333F48"/>
                 </a:solidFill>
               </a:rPr>
-              <a:t>Структура хранилища (процедуры и функции)</a:t>
+              <a:t>Создаем новые ТИПЫ для использования</a:t>
             </a:r>
             <a:endParaRPr lang="ru-RU" sz="1600" dirty="0"/>
           </a:p>
@@ -11735,7 +12211,7 @@
               <a:defRPr/>
             </a:pPr>
             <a:r>
-              <a:rPr lang="ru-RU" sz="4000" dirty="0">
+              <a:rPr lang="ru-RU" sz="4000" dirty="0" smtClean="0">
                 <a:solidFill>
                   <a:srgbClr val="333F48"/>
                 </a:solidFill>
@@ -11748,61 +12224,268 @@
       </p:sp>
       <p:sp>
         <p:nvSpPr>
-          <p:cNvPr id="4" name="Title 7">
-            <a:extLst>
-              <a:ext uri="{FF2B5EF4-FFF2-40B4-BE49-F238E27FC236}">
-                <a16:creationId xmlns:a16="http://schemas.microsoft.com/office/drawing/2014/main" xmlns="" id="{E195DE7B-42F0-4CAA-AAB0-D33DB61C53CA}"/>
-              </a:ext>
-            </a:extLst>
-          </p:cNvPr>
-          <p:cNvSpPr>
-            <a:spLocks/>
-          </p:cNvSpPr>
+          <p:cNvPr id="2" name="TextBox 1"/>
+          <p:cNvSpPr txBox="1"/>
           <p:nvPr/>
         </p:nvSpPr>
-        <p:spPr bwMode="auto">
+        <p:spPr>
           <a:xfrm>
-            <a:off x="695400" y="2564904"/>
-            <a:ext cx="10009112" cy="720080"/>
+            <a:off x="119336" y="836712"/>
+            <a:ext cx="6408712" cy="2723823"/>
           </a:xfrm>
           <a:prstGeom prst="rect">
             <a:avLst/>
           </a:prstGeom>
+          <a:noFill/>
         </p:spPr>
         <p:txBody>
-          <a:bodyPr lIns="0" tIns="0" rIns="0" bIns="0"/>
-          <a:lstStyle>
-            <a:lvl1pPr algn="l" defTabSz="914400">
-              <a:lnSpc>
-                <a:spcPct val="90000"/>
-              </a:lnSpc>
-              <a:spcBef>
-                <a:spcPts val="0"/>
-              </a:spcBef>
-              <a:buNone/>
-              <a:defRPr sz="4400" b="0" i="0">
-                <a:solidFill>
-                  <a:schemeClr val="tx1"/>
-                </a:solidFill>
-                <a:latin typeface="SB Sans Display Regular"/>
-                <a:ea typeface="+mj-ea"/>
-                <a:cs typeface="+mj-cs"/>
-              </a:defRPr>
-            </a:lvl1pPr>
-          </a:lstStyle>
-          <a:p>
-            <a:pPr>
-              <a:defRPr/>
-            </a:pPr>
-            <a:r>
-              <a:rPr lang="ru-RU" sz="2800" dirty="0">
-                <a:solidFill>
-                  <a:srgbClr val="333F48"/>
-                </a:solidFill>
-              </a:rPr>
-              <a:t>Код, сложные или крутые процедуры (по вашему мнению) + ваши комментарии по коду</a:t>
-            </a:r>
-            <a:endParaRPr lang="ru-RU" sz="1100" dirty="0"/>
+          <a:bodyPr wrap="square" rtlCol="0">
+            <a:spAutoFit/>
+          </a:bodyPr>
+          <a:lstStyle/>
+          <a:p>
+            <a:r>
+              <a:rPr lang="en-US" sz="900" dirty="0"/>
+              <a:t>DROP TYPE c##</a:t>
+            </a:r>
+            <a:r>
+              <a:rPr lang="en-US" sz="900" dirty="0" err="1"/>
+              <a:t>course.table_report</a:t>
+            </a:r>
+            <a:r>
+              <a:rPr lang="en-US" sz="900" dirty="0"/>
+              <a:t>;</a:t>
+            </a:r>
+          </a:p>
+          <a:p>
+            <a:r>
+              <a:rPr lang="en-US" sz="900" dirty="0"/>
+              <a:t>/</a:t>
+            </a:r>
+          </a:p>
+          <a:p>
+            <a:r>
+              <a:rPr lang="en-US" sz="900" dirty="0"/>
+              <a:t>DROP TYPE c##</a:t>
+            </a:r>
+            <a:r>
+              <a:rPr lang="en-US" sz="900" dirty="0" err="1"/>
+              <a:t>course.report_row</a:t>
+            </a:r>
+            <a:r>
+              <a:rPr lang="en-US" sz="900" dirty="0"/>
+              <a:t>;</a:t>
+            </a:r>
+          </a:p>
+          <a:p>
+            <a:r>
+              <a:rPr lang="en-US" sz="900" dirty="0"/>
+              <a:t>/</a:t>
+            </a:r>
+          </a:p>
+          <a:p>
+            <a:r>
+              <a:rPr lang="en-US" sz="900" dirty="0"/>
+              <a:t>CREATE OR REPLACE TYPE c##</a:t>
+            </a:r>
+            <a:r>
+              <a:rPr lang="en-US" sz="900" dirty="0" err="1"/>
+              <a:t>course.report_row</a:t>
+            </a:r>
+            <a:r>
+              <a:rPr lang="en-US" sz="900" dirty="0"/>
+              <a:t> AS OBJECT</a:t>
+            </a:r>
+          </a:p>
+          <a:p>
+            <a:r>
+              <a:rPr lang="en-US" sz="900" dirty="0"/>
+              <a:t>( </a:t>
+            </a:r>
+          </a:p>
+          <a:p>
+            <a:r>
+              <a:rPr lang="en-US" sz="900" dirty="0"/>
+              <a:t>      </a:t>
+            </a:r>
+            <a:r>
+              <a:rPr lang="en-US" sz="900" dirty="0" err="1"/>
+              <a:t>num_dog</a:t>
+            </a:r>
+            <a:r>
+              <a:rPr lang="en-US" sz="900" dirty="0"/>
+              <a:t>             varchar2(10)</a:t>
+            </a:r>
+          </a:p>
+          <a:p>
+            <a:r>
+              <a:rPr lang="en-US" sz="900" dirty="0"/>
+              <a:t>    , </a:t>
+            </a:r>
+            <a:r>
+              <a:rPr lang="en-US" sz="900" dirty="0" err="1"/>
+              <a:t>cl_name</a:t>
+            </a:r>
+            <a:r>
+              <a:rPr lang="en-US" sz="900" dirty="0"/>
+              <a:t>             varchar2(100)</a:t>
+            </a:r>
+          </a:p>
+          <a:p>
+            <a:r>
+              <a:rPr lang="en-US" sz="900" dirty="0"/>
+              <a:t>    , </a:t>
+            </a:r>
+            <a:r>
+              <a:rPr lang="en-US" sz="900" dirty="0" err="1"/>
+              <a:t>summa_dog</a:t>
+            </a:r>
+            <a:r>
+              <a:rPr lang="en-US" sz="900" dirty="0"/>
+              <a:t>           number</a:t>
+            </a:r>
+          </a:p>
+          <a:p>
+            <a:r>
+              <a:rPr lang="en-US" sz="900" dirty="0"/>
+              <a:t>    , </a:t>
+            </a:r>
+            <a:r>
+              <a:rPr lang="en-US" sz="900" dirty="0" err="1"/>
+              <a:t>date_begin</a:t>
+            </a:r>
+            <a:r>
+              <a:rPr lang="en-US" sz="900" dirty="0"/>
+              <a:t>          date </a:t>
+            </a:r>
+          </a:p>
+          <a:p>
+            <a:r>
+              <a:rPr lang="en-US" sz="900" dirty="0"/>
+              <a:t>    , </a:t>
+            </a:r>
+            <a:r>
+              <a:rPr lang="en-US" sz="900" dirty="0" err="1"/>
+              <a:t>date_end</a:t>
+            </a:r>
+            <a:r>
+              <a:rPr lang="en-US" sz="900" dirty="0"/>
+              <a:t>            date</a:t>
+            </a:r>
+          </a:p>
+          <a:p>
+            <a:r>
+              <a:rPr lang="en-US" sz="900" dirty="0"/>
+              <a:t>    , </a:t>
+            </a:r>
+            <a:r>
+              <a:rPr lang="en-US" sz="900" dirty="0" err="1"/>
+              <a:t>ostat_dolg</a:t>
+            </a:r>
+            <a:r>
+              <a:rPr lang="en-US" sz="900" dirty="0"/>
+              <a:t>          number</a:t>
+            </a:r>
+          </a:p>
+          <a:p>
+            <a:r>
+              <a:rPr lang="en-US" sz="900" dirty="0"/>
+              <a:t>    , </a:t>
+            </a:r>
+            <a:r>
+              <a:rPr lang="en-US" sz="900" dirty="0" err="1"/>
+              <a:t>need_pogash_percent</a:t>
+            </a:r>
+            <a:r>
+              <a:rPr lang="en-US" sz="900" dirty="0"/>
+              <a:t> number</a:t>
+            </a:r>
+          </a:p>
+          <a:p>
+            <a:r>
+              <a:rPr lang="en-US" sz="900" dirty="0"/>
+              <a:t>);</a:t>
+            </a:r>
+          </a:p>
+          <a:p>
+            <a:r>
+              <a:rPr lang="en-US" sz="900" dirty="0"/>
+              <a:t>/</a:t>
+            </a:r>
+          </a:p>
+          <a:p>
+            <a:r>
+              <a:rPr lang="en-US" sz="900" dirty="0"/>
+              <a:t>CREATE OR REPLACE TYPE c##</a:t>
+            </a:r>
+            <a:r>
+              <a:rPr lang="en-US" sz="900" dirty="0" err="1"/>
+              <a:t>course.table_report</a:t>
+            </a:r>
+            <a:r>
+              <a:rPr lang="en-US" sz="900" dirty="0"/>
+              <a:t> AS TABLE OF c##</a:t>
+            </a:r>
+            <a:r>
+              <a:rPr lang="en-US" sz="900" dirty="0" err="1"/>
+              <a:t>course.report_row</a:t>
+            </a:r>
+            <a:r>
+              <a:rPr lang="en-US" sz="900" dirty="0"/>
+              <a:t>;</a:t>
+            </a:r>
+          </a:p>
+          <a:p>
+            <a:endParaRPr lang="en-US" sz="900" dirty="0"/>
+          </a:p>
+          <a:p>
+            <a:endParaRPr lang="en-US" sz="900" dirty="0"/>
+          </a:p>
+          <a:p>
+            <a:r>
+              <a:rPr lang="en-US" sz="900" dirty="0"/>
+              <a:t>/</a:t>
+            </a:r>
+            <a:endParaRPr lang="ru-RU" sz="900" dirty="0"/>
+          </a:p>
+        </p:txBody>
+      </p:sp>
+      <p:sp>
+        <p:nvSpPr>
+          <p:cNvPr id="5" name="TextBox 4"/>
+          <p:cNvSpPr txBox="1"/>
+          <p:nvPr/>
+        </p:nvSpPr>
+        <p:spPr>
+          <a:xfrm>
+            <a:off x="5879976" y="614491"/>
+            <a:ext cx="6120680" cy="507831"/>
+          </a:xfrm>
+          <a:prstGeom prst="rect">
+            <a:avLst/>
+          </a:prstGeom>
+          <a:noFill/>
+        </p:spPr>
+        <p:txBody>
+          <a:bodyPr wrap="square" rtlCol="0">
+            <a:spAutoFit/>
+          </a:bodyPr>
+          <a:lstStyle/>
+          <a:p>
+            <a:r>
+              <a:rPr lang="en-US" sz="900" dirty="0"/>
+              <a:t> </a:t>
+            </a:r>
+          </a:p>
+          <a:p>
+            <a:endParaRPr lang="en-US" sz="900" dirty="0"/>
+          </a:p>
+          <a:p>
+            <a:r>
+              <a:rPr lang="en-US" sz="900" dirty="0" smtClean="0"/>
+              <a:t>   </a:t>
+            </a:r>
+            <a:endParaRPr lang="ru-RU" sz="900" dirty="0"/>
           </a:p>
         </p:txBody>
       </p:sp>
@@ -11853,7 +12536,7 @@
         <p:spPr bwMode="auto">
           <a:xfrm>
             <a:off x="191344" y="285978"/>
-            <a:ext cx="12169352" cy="694750"/>
+            <a:ext cx="11809312" cy="694750"/>
           </a:xfrm>
           <a:prstGeom prst="rect">
             <a:avLst/>
@@ -11885,12 +12568,26 @@
               <a:defRPr/>
             </a:pPr>
             <a:r>
+              <a:rPr lang="ru-RU" sz="4000" dirty="0" smtClean="0">
+                <a:solidFill>
+                  <a:srgbClr val="333F48"/>
+                </a:solidFill>
+              </a:rPr>
+              <a:t>Функция возвращает таблицу с данными отчета</a:t>
+            </a:r>
+            <a:endParaRPr lang="ru-RU" sz="1600" dirty="0"/>
+          </a:p>
+          <a:p>
+            <a:pPr>
+              <a:defRPr/>
+            </a:pPr>
+            <a:r>
               <a:rPr lang="ru-RU" sz="4000" dirty="0">
                 <a:solidFill>
                   <a:srgbClr val="333F48"/>
                 </a:solidFill>
               </a:rPr>
-              <a:t>Пример отчета</a:t>
+              <a:t> </a:t>
             </a:r>
             <a:endParaRPr lang="ru-RU" sz="1600" dirty="0"/>
           </a:p>
@@ -11898,84 +12595,1134 @@
       </p:sp>
       <p:sp>
         <p:nvSpPr>
-          <p:cNvPr id="4" name="Title 7">
-            <a:extLst>
-              <a:ext uri="{FF2B5EF4-FFF2-40B4-BE49-F238E27FC236}">
-                <a16:creationId xmlns:a16="http://schemas.microsoft.com/office/drawing/2014/main" xmlns="" id="{E195DE7B-42F0-4CAA-AAB0-D33DB61C53CA}"/>
-              </a:ext>
-            </a:extLst>
-          </p:cNvPr>
-          <p:cNvSpPr>
-            <a:spLocks/>
-          </p:cNvSpPr>
+          <p:cNvPr id="2" name="TextBox 1"/>
+          <p:cNvSpPr txBox="1"/>
           <p:nvPr/>
         </p:nvSpPr>
-        <p:spPr bwMode="auto">
+        <p:spPr>
           <a:xfrm>
-            <a:off x="551384" y="2348880"/>
-            <a:ext cx="10244945" cy="1600029"/>
+            <a:off x="119336" y="836712"/>
+            <a:ext cx="6408712" cy="5770811"/>
           </a:xfrm>
           <a:prstGeom prst="rect">
             <a:avLst/>
           </a:prstGeom>
+          <a:noFill/>
         </p:spPr>
         <p:txBody>
-          <a:bodyPr lIns="0" tIns="0" rIns="0" bIns="0"/>
-          <a:lstStyle>
-            <a:lvl1pPr algn="l" defTabSz="914400">
-              <a:lnSpc>
-                <a:spcPct val="90000"/>
-              </a:lnSpc>
-              <a:spcBef>
-                <a:spcPts val="0"/>
-              </a:spcBef>
-              <a:buNone/>
-              <a:defRPr sz="4400" b="0" i="0">
-                <a:solidFill>
-                  <a:schemeClr val="tx1"/>
-                </a:solidFill>
-                <a:latin typeface="SB Sans Display Regular"/>
-                <a:ea typeface="+mj-ea"/>
-                <a:cs typeface="+mj-cs"/>
-              </a:defRPr>
-            </a:lvl1pPr>
-          </a:lstStyle>
-          <a:p>
-            <a:pPr>
-              <a:defRPr/>
-            </a:pPr>
-            <a:r>
-              <a:rPr lang="ru-RU" sz="4000" dirty="0">
-                <a:solidFill>
-                  <a:srgbClr val="333F48"/>
-                </a:solidFill>
-              </a:rPr>
-              <a:t>Картинка отчета, по которому мы можем судить о </a:t>
-            </a:r>
-            <a:r>
-              <a:rPr lang="ru-RU" sz="4000" dirty="0" smtClean="0">
-                <a:solidFill>
-                  <a:srgbClr val="333F48"/>
-                </a:solidFill>
-              </a:rPr>
-              <a:t>состоянии кредитного </a:t>
-            </a:r>
-            <a:r>
-              <a:rPr lang="ru-RU" sz="4000" dirty="0" err="1" smtClean="0">
-                <a:solidFill>
-                  <a:srgbClr val="333F48"/>
-                </a:solidFill>
-              </a:rPr>
-              <a:t>порфеля</a:t>
-            </a:r>
-            <a:endParaRPr lang="ru-RU" sz="1600" dirty="0"/>
+          <a:bodyPr wrap="square" rtlCol="0">
+            <a:spAutoFit/>
+          </a:bodyPr>
+          <a:lstStyle/>
+          <a:p>
+            <a:r>
+              <a:rPr lang="en-US" sz="900" dirty="0" smtClean="0"/>
+              <a:t>CREATE </a:t>
+            </a:r>
+            <a:r>
+              <a:rPr lang="en-US" sz="900" dirty="0"/>
+              <a:t>OR REPLACE FUNCTION c##</a:t>
+            </a:r>
+            <a:r>
+              <a:rPr lang="en-US" sz="900" dirty="0" err="1"/>
+              <a:t>course.fn_get_report</a:t>
+            </a:r>
+            <a:r>
+              <a:rPr lang="en-US" sz="900" dirty="0"/>
+              <a:t> (</a:t>
+            </a:r>
+            <a:r>
+              <a:rPr lang="en-US" sz="900" dirty="0" err="1"/>
+              <a:t>report_dt</a:t>
+            </a:r>
+            <a:r>
+              <a:rPr lang="en-US" sz="900" dirty="0"/>
+              <a:t> DATE)</a:t>
+            </a:r>
+          </a:p>
+          <a:p>
+            <a:r>
+              <a:rPr lang="en-US" sz="900" dirty="0"/>
+              <a:t>    RETURN c##</a:t>
+            </a:r>
+            <a:r>
+              <a:rPr lang="en-US" sz="900" dirty="0" err="1"/>
+              <a:t>course.table_report</a:t>
+            </a:r>
+            <a:r>
+              <a:rPr lang="en-US" sz="900" dirty="0"/>
+              <a:t> PIPELINED</a:t>
+            </a:r>
+          </a:p>
+          <a:p>
+            <a:r>
+              <a:rPr lang="en-US" sz="900" dirty="0"/>
+              <a:t>    -- </a:t>
+            </a:r>
+            <a:r>
+              <a:rPr lang="ru-RU" sz="900" dirty="0"/>
+              <a:t>Атрибут </a:t>
+            </a:r>
+            <a:r>
+              <a:rPr lang="en-US" sz="900" dirty="0"/>
+              <a:t>pipelined </a:t>
+            </a:r>
+            <a:r>
+              <a:rPr lang="ru-RU" sz="900" dirty="0"/>
+              <a:t>означает, что функция является конвейерной, </a:t>
+            </a:r>
+            <a:endParaRPr lang="en-US" sz="900" dirty="0" smtClean="0"/>
+          </a:p>
+          <a:p>
+            <a:r>
+              <a:rPr lang="en-US" sz="900" dirty="0" smtClean="0"/>
+              <a:t>    -- </a:t>
+            </a:r>
+            <a:r>
+              <a:rPr lang="ru-RU" sz="900" dirty="0" smtClean="0"/>
+              <a:t>результат </a:t>
+            </a:r>
+            <a:r>
+              <a:rPr lang="ru-RU" sz="900" dirty="0"/>
+              <a:t>возвращается клиенту немедленно </a:t>
+            </a:r>
+            <a:r>
+              <a:rPr lang="en-US" sz="900" dirty="0" smtClean="0"/>
+              <a:t>  </a:t>
+            </a:r>
+            <a:r>
+              <a:rPr lang="ru-RU" sz="900" dirty="0" smtClean="0"/>
+              <a:t>при </a:t>
+            </a:r>
+            <a:r>
+              <a:rPr lang="ru-RU" sz="900" dirty="0"/>
+              <a:t>вызове директивы </a:t>
+            </a:r>
+            <a:r>
+              <a:rPr lang="en-US" sz="900" dirty="0"/>
+              <a:t>pipe row, </a:t>
+            </a:r>
+          </a:p>
+          <a:p>
+            <a:r>
+              <a:rPr lang="en-US" sz="900" dirty="0"/>
+              <a:t>    -- </a:t>
+            </a:r>
+            <a:r>
+              <a:rPr lang="ru-RU" sz="900" dirty="0"/>
+              <a:t>поэтому оператор </a:t>
+            </a:r>
+            <a:r>
+              <a:rPr lang="en-US" sz="900" dirty="0"/>
+              <a:t>return </a:t>
+            </a:r>
+            <a:r>
+              <a:rPr lang="ru-RU" sz="900" dirty="0"/>
+              <a:t>необязателен.</a:t>
+            </a:r>
+          </a:p>
+          <a:p>
+            <a:r>
+              <a:rPr lang="ru-RU" sz="900" dirty="0"/>
+              <a:t>    </a:t>
+            </a:r>
+            <a:r>
+              <a:rPr lang="en-US" sz="900" dirty="0"/>
+              <a:t>AS</a:t>
+            </a:r>
+          </a:p>
+          <a:p>
+            <a:r>
+              <a:rPr lang="en-US" sz="900" dirty="0"/>
+              <a:t>        </a:t>
+            </a:r>
+            <a:r>
+              <a:rPr lang="en-US" sz="900" dirty="0" err="1"/>
+              <a:t>result_table_report</a:t>
+            </a:r>
+            <a:r>
+              <a:rPr lang="en-US" sz="900" dirty="0"/>
+              <a:t> c##</a:t>
+            </a:r>
+            <a:r>
+              <a:rPr lang="en-US" sz="900" dirty="0" err="1"/>
+              <a:t>course.table_report</a:t>
+            </a:r>
+            <a:r>
+              <a:rPr lang="en-US" sz="900" dirty="0"/>
+              <a:t>;</a:t>
+            </a:r>
+          </a:p>
+          <a:p>
+            <a:r>
+              <a:rPr lang="en-US" sz="900" dirty="0"/>
+              <a:t>BEGIN</a:t>
+            </a:r>
+          </a:p>
+          <a:p>
+            <a:r>
+              <a:rPr lang="en-US" sz="900" dirty="0"/>
+              <a:t>SELECT </a:t>
+            </a:r>
+          </a:p>
+          <a:p>
+            <a:r>
+              <a:rPr lang="en-US" sz="900" dirty="0"/>
+              <a:t>        c##</a:t>
+            </a:r>
+            <a:r>
+              <a:rPr lang="en-US" sz="900" dirty="0" err="1"/>
+              <a:t>course.report_row</a:t>
+            </a:r>
+            <a:endParaRPr lang="en-US" sz="900" dirty="0"/>
+          </a:p>
+          <a:p>
+            <a:r>
+              <a:rPr lang="en-US" sz="900" dirty="0"/>
+              <a:t>        (</a:t>
+            </a:r>
+          </a:p>
+          <a:p>
+            <a:r>
+              <a:rPr lang="en-US" sz="900" dirty="0"/>
+              <a:t>              </a:t>
+            </a:r>
+            <a:r>
+              <a:rPr lang="en-US" sz="900" dirty="0" err="1"/>
+              <a:t>dog.num_dog</a:t>
+            </a:r>
+            <a:endParaRPr lang="en-US" sz="900" dirty="0"/>
+          </a:p>
+          <a:p>
+            <a:r>
+              <a:rPr lang="en-US" sz="900" dirty="0"/>
+              <a:t>            , </a:t>
+            </a:r>
+            <a:r>
+              <a:rPr lang="en-US" sz="900" dirty="0" err="1"/>
+              <a:t>cli.cl_name</a:t>
+            </a:r>
+            <a:endParaRPr lang="en-US" sz="900" dirty="0"/>
+          </a:p>
+          <a:p>
+            <a:r>
+              <a:rPr lang="en-US" sz="900" dirty="0"/>
+              <a:t>            , </a:t>
+            </a:r>
+            <a:r>
+              <a:rPr lang="en-US" sz="900" dirty="0" err="1"/>
+              <a:t>dog.summa_dog</a:t>
+            </a:r>
+            <a:endParaRPr lang="en-US" sz="900" dirty="0"/>
+          </a:p>
+          <a:p>
+            <a:r>
+              <a:rPr lang="en-US" sz="900" dirty="0"/>
+              <a:t>            , </a:t>
+            </a:r>
+            <a:r>
+              <a:rPr lang="en-US" sz="900" dirty="0" err="1"/>
+              <a:t>dog.date_begin</a:t>
+            </a:r>
+            <a:endParaRPr lang="en-US" sz="900" dirty="0"/>
+          </a:p>
+          <a:p>
+            <a:r>
+              <a:rPr lang="en-US" sz="900" dirty="0"/>
+              <a:t>            , </a:t>
+            </a:r>
+            <a:r>
+              <a:rPr lang="en-US" sz="900" dirty="0" err="1"/>
+              <a:t>dog.date_end</a:t>
+            </a:r>
+            <a:endParaRPr lang="en-US" sz="900" dirty="0"/>
+          </a:p>
+          <a:p>
+            <a:r>
+              <a:rPr lang="en-US" sz="900" dirty="0"/>
+              <a:t>            , </a:t>
+            </a:r>
+            <a:r>
+              <a:rPr lang="en-US" sz="900" dirty="0" err="1"/>
+              <a:t>sum_fact.sum_vidano</a:t>
+            </a:r>
+            <a:r>
+              <a:rPr lang="en-US" sz="900" dirty="0"/>
+              <a:t> - NVL(sum_fact.sum_pogasheno,0)</a:t>
+            </a:r>
+          </a:p>
+          <a:p>
+            <a:r>
+              <a:rPr lang="en-US" sz="900" dirty="0"/>
+              <a:t>            , NVL(sum_pogasheno_percent_plan.sum_pogasheno_percent_plan,0) - </a:t>
+            </a:r>
+            <a:r>
+              <a:rPr lang="en-US" sz="900" dirty="0" smtClean="0"/>
+              <a:t> NVL(sum_fact.sum_pogasheno_percent,0</a:t>
+            </a:r>
+            <a:r>
+              <a:rPr lang="en-US" sz="900" dirty="0"/>
+              <a:t>)</a:t>
+            </a:r>
+          </a:p>
+          <a:p>
+            <a:r>
+              <a:rPr lang="en-US" sz="900" dirty="0"/>
+              <a:t>        )</a:t>
+            </a:r>
+          </a:p>
+          <a:p>
+            <a:r>
+              <a:rPr lang="en-US" sz="900" dirty="0"/>
+              <a:t>    BULK COLLECT INTO </a:t>
+            </a:r>
+            <a:r>
+              <a:rPr lang="en-US" sz="900" dirty="0" err="1"/>
+              <a:t>result_table_report</a:t>
+            </a:r>
+            <a:endParaRPr lang="en-US" sz="900" dirty="0"/>
+          </a:p>
+          <a:p>
+            <a:r>
+              <a:rPr lang="en-US" sz="900" dirty="0"/>
+              <a:t>    FROM</a:t>
+            </a:r>
+          </a:p>
+          <a:p>
+            <a:r>
+              <a:rPr lang="en-US" sz="900" dirty="0"/>
+              <a:t>        c##</a:t>
+            </a:r>
+            <a:r>
+              <a:rPr lang="en-US" sz="900" dirty="0" err="1"/>
+              <a:t>course.pr_credit</a:t>
+            </a:r>
+            <a:r>
+              <a:rPr lang="en-US" sz="900" dirty="0"/>
+              <a:t> dog</a:t>
+            </a:r>
+          </a:p>
+          <a:p>
+            <a:endParaRPr lang="en-US" sz="900" dirty="0"/>
+          </a:p>
+          <a:p>
+            <a:r>
+              <a:rPr lang="en-US" sz="900" dirty="0"/>
+              <a:t>    INNER JOIN</a:t>
+            </a:r>
+          </a:p>
+          <a:p>
+            <a:r>
+              <a:rPr lang="en-US" sz="900" dirty="0"/>
+              <a:t>        c##</a:t>
+            </a:r>
+            <a:r>
+              <a:rPr lang="en-US" sz="900" dirty="0" err="1"/>
+              <a:t>course.client</a:t>
+            </a:r>
+            <a:r>
+              <a:rPr lang="en-US" sz="900" dirty="0"/>
+              <a:t> cli</a:t>
+            </a:r>
+          </a:p>
+          <a:p>
+            <a:r>
+              <a:rPr lang="en-US" sz="900" dirty="0"/>
+              <a:t>        ON (</a:t>
+            </a:r>
+            <a:r>
+              <a:rPr lang="en-US" sz="900" dirty="0" err="1"/>
+              <a:t>dog.id_client</a:t>
+            </a:r>
+            <a:r>
+              <a:rPr lang="en-US" sz="900" dirty="0"/>
+              <a:t> = cli.id)</a:t>
+            </a:r>
+          </a:p>
+          <a:p>
+            <a:r>
+              <a:rPr lang="en-US" sz="900" dirty="0"/>
+              <a:t>        </a:t>
+            </a:r>
+          </a:p>
+          <a:p>
+            <a:r>
+              <a:rPr lang="en-US" sz="900" dirty="0"/>
+              <a:t> LEFT JOIN</a:t>
+            </a:r>
+          </a:p>
+          <a:p>
+            <a:r>
+              <a:rPr lang="en-US" sz="900" dirty="0"/>
+              <a:t>    (</a:t>
+            </a:r>
+          </a:p>
+          <a:p>
+            <a:r>
+              <a:rPr lang="en-US" sz="900" dirty="0"/>
+              <a:t>        SELECT</a:t>
+            </a:r>
+          </a:p>
+          <a:p>
+            <a:r>
+              <a:rPr lang="en-US" sz="900" dirty="0"/>
+              <a:t>              </a:t>
+            </a:r>
+            <a:r>
+              <a:rPr lang="en-US" sz="900" dirty="0" err="1"/>
+              <a:t>collection_id</a:t>
+            </a:r>
+            <a:endParaRPr lang="en-US" sz="900" dirty="0"/>
+          </a:p>
+          <a:p>
+            <a:r>
+              <a:rPr lang="en-US" sz="900" dirty="0"/>
+              <a:t>            , SUM(CASE </a:t>
+            </a:r>
+            <a:r>
+              <a:rPr lang="en-US" sz="900" dirty="0" err="1"/>
+              <a:t>type_oper</a:t>
+            </a:r>
+            <a:r>
+              <a:rPr lang="en-US" sz="900" dirty="0"/>
+              <a:t> WHEN '</a:t>
+            </a:r>
+            <a:r>
+              <a:rPr lang="ru-RU" sz="900" dirty="0"/>
+              <a:t>Выдача кредита'      </a:t>
+            </a:r>
+            <a:r>
+              <a:rPr lang="en-US" sz="900" dirty="0"/>
+              <a:t>THEN </a:t>
+            </a:r>
+            <a:r>
+              <a:rPr lang="en-US" sz="900" dirty="0" err="1"/>
+              <a:t>f_summa</a:t>
+            </a:r>
+            <a:r>
+              <a:rPr lang="en-US" sz="900" dirty="0"/>
+              <a:t> ELSE 0 END) AS </a:t>
+            </a:r>
+            <a:r>
+              <a:rPr lang="en-US" sz="900" dirty="0" err="1"/>
+              <a:t>sum_vidano</a:t>
+            </a:r>
+            <a:endParaRPr lang="en-US" sz="900" dirty="0"/>
+          </a:p>
+          <a:p>
+            <a:r>
+              <a:rPr lang="en-US" sz="900" dirty="0"/>
+              <a:t>            , SUM(CASE </a:t>
+            </a:r>
+            <a:r>
+              <a:rPr lang="en-US" sz="900" dirty="0" err="1"/>
+              <a:t>type_oper</a:t>
+            </a:r>
+            <a:r>
+              <a:rPr lang="en-US" sz="900" dirty="0"/>
+              <a:t> WHEN '</a:t>
+            </a:r>
+            <a:r>
+              <a:rPr lang="ru-RU" sz="900" dirty="0"/>
+              <a:t>Погашение кредита'   </a:t>
+            </a:r>
+            <a:r>
+              <a:rPr lang="en-US" sz="900" dirty="0"/>
+              <a:t>THEN </a:t>
+            </a:r>
+            <a:r>
+              <a:rPr lang="en-US" sz="900" dirty="0" err="1"/>
+              <a:t>f_summa</a:t>
+            </a:r>
+            <a:r>
+              <a:rPr lang="en-US" sz="900" dirty="0"/>
+              <a:t> ELSE 0 END) AS </a:t>
+            </a:r>
+            <a:r>
+              <a:rPr lang="en-US" sz="900" dirty="0" err="1"/>
+              <a:t>sum_pogasheno</a:t>
+            </a:r>
+            <a:endParaRPr lang="en-US" sz="900" dirty="0"/>
+          </a:p>
+          <a:p>
+            <a:r>
+              <a:rPr lang="en-US" sz="900" dirty="0"/>
+              <a:t>            , SUM(CASE </a:t>
+            </a:r>
+            <a:r>
+              <a:rPr lang="en-US" sz="900" dirty="0" err="1"/>
+              <a:t>type_oper</a:t>
+            </a:r>
+            <a:r>
+              <a:rPr lang="en-US" sz="900" dirty="0"/>
+              <a:t> WHEN '</a:t>
+            </a:r>
+            <a:r>
+              <a:rPr lang="ru-RU" sz="900" dirty="0"/>
+              <a:t>Погашение процентов' </a:t>
+            </a:r>
+            <a:r>
+              <a:rPr lang="en-US" sz="900" dirty="0"/>
+              <a:t>THEN </a:t>
+            </a:r>
+            <a:r>
+              <a:rPr lang="en-US" sz="900" dirty="0" err="1"/>
+              <a:t>f_summa</a:t>
+            </a:r>
+            <a:r>
+              <a:rPr lang="en-US" sz="900" dirty="0"/>
+              <a:t> ELSE 0 END) AS </a:t>
+            </a:r>
+            <a:r>
+              <a:rPr lang="en-US" sz="900" dirty="0" err="1"/>
+              <a:t>sum_pogasheno_percent</a:t>
+            </a:r>
+            <a:endParaRPr lang="en-US" sz="900" dirty="0"/>
+          </a:p>
+          <a:p>
+            <a:r>
+              <a:rPr lang="en-US" sz="900" dirty="0"/>
+              <a:t>            FROM c##</a:t>
+            </a:r>
+            <a:r>
+              <a:rPr lang="en-US" sz="900" dirty="0" err="1"/>
+              <a:t>course.fact_oper</a:t>
+            </a:r>
+            <a:endParaRPr lang="en-US" sz="900" dirty="0"/>
+          </a:p>
+          <a:p>
+            <a:r>
+              <a:rPr lang="en-US" sz="900" dirty="0"/>
+              <a:t>            WHERE</a:t>
+            </a:r>
+          </a:p>
+          <a:p>
+            <a:r>
+              <a:rPr lang="en-US" sz="900" dirty="0"/>
+              <a:t>                </a:t>
+            </a:r>
+            <a:r>
+              <a:rPr lang="en-US" sz="900" dirty="0" err="1"/>
+              <a:t>f_date</a:t>
+            </a:r>
+            <a:r>
+              <a:rPr lang="en-US" sz="900" dirty="0"/>
+              <a:t> &lt;= c##</a:t>
+            </a:r>
+            <a:r>
+              <a:rPr lang="en-US" sz="900" dirty="0" err="1"/>
+              <a:t>course.fn_get_report.report_dt</a:t>
+            </a:r>
+            <a:endParaRPr lang="en-US" sz="900" dirty="0"/>
+          </a:p>
+          <a:p>
+            <a:r>
+              <a:rPr lang="en-US" sz="900" dirty="0"/>
+              <a:t>                </a:t>
+            </a:r>
+          </a:p>
+          <a:p>
+            <a:r>
+              <a:rPr lang="en-US" sz="900" dirty="0"/>
+              <a:t>            GROUP BY </a:t>
+            </a:r>
+            <a:r>
+              <a:rPr lang="en-US" sz="900" dirty="0" err="1"/>
+              <a:t>collection_id</a:t>
+            </a:r>
+            <a:endParaRPr lang="en-US" sz="900" dirty="0"/>
+          </a:p>
+          <a:p>
+            <a:r>
+              <a:rPr lang="en-US" sz="900" dirty="0"/>
+              <a:t>    ) </a:t>
+            </a:r>
+            <a:r>
+              <a:rPr lang="en-US" sz="900" dirty="0" err="1"/>
+              <a:t>sum_fact</a:t>
+            </a:r>
+            <a:endParaRPr lang="en-US" sz="900" dirty="0"/>
+          </a:p>
+          <a:p>
+            <a:r>
+              <a:rPr lang="en-US" sz="900" dirty="0"/>
+              <a:t>    ON (</a:t>
+            </a:r>
+            <a:r>
+              <a:rPr lang="en-US" sz="900" dirty="0" err="1"/>
+              <a:t>dog.collect_fact</a:t>
+            </a:r>
+            <a:r>
+              <a:rPr lang="en-US" sz="900" dirty="0"/>
+              <a:t> = </a:t>
+            </a:r>
+            <a:r>
+              <a:rPr lang="en-US" sz="900" dirty="0" err="1"/>
+              <a:t>sum_fact.collection_id</a:t>
+            </a:r>
+            <a:r>
+              <a:rPr lang="en-US" sz="900" dirty="0"/>
+              <a:t>)</a:t>
+            </a:r>
+            <a:endParaRPr lang="ru-RU" sz="900" dirty="0"/>
+          </a:p>
+        </p:txBody>
+      </p:sp>
+      <p:sp>
+        <p:nvSpPr>
+          <p:cNvPr id="5" name="TextBox 4"/>
+          <p:cNvSpPr txBox="1"/>
+          <p:nvPr/>
+        </p:nvSpPr>
+        <p:spPr>
+          <a:xfrm>
+            <a:off x="5879976" y="614491"/>
+            <a:ext cx="6120680" cy="6047809"/>
+          </a:xfrm>
+          <a:prstGeom prst="rect">
+            <a:avLst/>
+          </a:prstGeom>
+          <a:noFill/>
+        </p:spPr>
+        <p:txBody>
+          <a:bodyPr wrap="square" rtlCol="0">
+            <a:spAutoFit/>
+          </a:bodyPr>
+          <a:lstStyle/>
+          <a:p>
+            <a:r>
+              <a:rPr lang="en-US" sz="900" dirty="0"/>
+              <a:t> </a:t>
+            </a:r>
+          </a:p>
+          <a:p>
+            <a:endParaRPr lang="en-US" sz="900" dirty="0"/>
+          </a:p>
+          <a:p>
+            <a:r>
+              <a:rPr lang="en-US" sz="900" dirty="0"/>
+              <a:t>   LEFT JOIN </a:t>
+            </a:r>
+          </a:p>
+          <a:p>
+            <a:r>
+              <a:rPr lang="en-US" sz="900" dirty="0"/>
+              <a:t>   (</a:t>
+            </a:r>
+          </a:p>
+          <a:p>
+            <a:r>
+              <a:rPr lang="en-US" sz="900" dirty="0"/>
+              <a:t>        SELECT</a:t>
+            </a:r>
+          </a:p>
+          <a:p>
+            <a:r>
+              <a:rPr lang="en-US" sz="900" dirty="0"/>
+              <a:t>            SUM(</a:t>
+            </a:r>
+            <a:r>
+              <a:rPr lang="en-US" sz="900" dirty="0" err="1"/>
+              <a:t>p_summa</a:t>
+            </a:r>
+            <a:r>
+              <a:rPr lang="en-US" sz="900" dirty="0"/>
+              <a:t>) AS </a:t>
+            </a:r>
+            <a:r>
+              <a:rPr lang="en-US" sz="900" dirty="0" err="1"/>
+              <a:t>sum_pogasheno_percent_plan</a:t>
+            </a:r>
+            <a:r>
+              <a:rPr lang="en-US" sz="900" dirty="0"/>
+              <a:t>,</a:t>
+            </a:r>
+          </a:p>
+          <a:p>
+            <a:r>
+              <a:rPr lang="en-US" sz="900" dirty="0"/>
+              <a:t>            </a:t>
+            </a:r>
+            <a:r>
+              <a:rPr lang="en-US" sz="900" dirty="0" err="1"/>
+              <a:t>collection_id</a:t>
+            </a:r>
+            <a:endParaRPr lang="en-US" sz="900" dirty="0"/>
+          </a:p>
+          <a:p>
+            <a:r>
+              <a:rPr lang="en-US" sz="900" dirty="0"/>
+              <a:t>            FROM c##</a:t>
+            </a:r>
+            <a:r>
+              <a:rPr lang="en-US" sz="900" dirty="0" err="1"/>
+              <a:t>course.plan_oper</a:t>
+            </a:r>
+            <a:endParaRPr lang="en-US" sz="900" dirty="0"/>
+          </a:p>
+          <a:p>
+            <a:r>
+              <a:rPr lang="en-US" sz="900" dirty="0"/>
+              <a:t>            WHERE</a:t>
+            </a:r>
+          </a:p>
+          <a:p>
+            <a:r>
+              <a:rPr lang="en-US" sz="900" dirty="0"/>
+              <a:t>                </a:t>
+            </a:r>
+            <a:r>
+              <a:rPr lang="en-US" sz="900" dirty="0" err="1"/>
+              <a:t>p_date</a:t>
+            </a:r>
+            <a:r>
+              <a:rPr lang="en-US" sz="900" dirty="0"/>
+              <a:t> &lt;= c##</a:t>
+            </a:r>
+            <a:r>
+              <a:rPr lang="en-US" sz="900" dirty="0" err="1"/>
+              <a:t>course.fn_get_report.report_dt</a:t>
+            </a:r>
+            <a:endParaRPr lang="en-US" sz="900" dirty="0"/>
+          </a:p>
+          <a:p>
+            <a:r>
+              <a:rPr lang="en-US" sz="900" dirty="0"/>
+              <a:t>                AND</a:t>
+            </a:r>
+          </a:p>
+          <a:p>
+            <a:r>
+              <a:rPr lang="en-US" sz="900" dirty="0"/>
+              <a:t>                </a:t>
+            </a:r>
+            <a:r>
+              <a:rPr lang="en-US" sz="900" dirty="0" err="1"/>
+              <a:t>type_oper</a:t>
+            </a:r>
+            <a:r>
+              <a:rPr lang="en-US" sz="900" dirty="0"/>
+              <a:t> = '</a:t>
+            </a:r>
+            <a:r>
+              <a:rPr lang="ru-RU" sz="900" dirty="0"/>
+              <a:t>Погашение процентов'</a:t>
+            </a:r>
+          </a:p>
+          <a:p>
+            <a:r>
+              <a:rPr lang="ru-RU" sz="900" dirty="0"/>
+              <a:t>            </a:t>
+            </a:r>
+            <a:r>
+              <a:rPr lang="en-US" sz="900" dirty="0"/>
+              <a:t>GROUP BY </a:t>
+            </a:r>
+            <a:r>
+              <a:rPr lang="en-US" sz="900" dirty="0" err="1"/>
+              <a:t>collection_id</a:t>
+            </a:r>
+            <a:endParaRPr lang="en-US" sz="900" dirty="0"/>
+          </a:p>
+          <a:p>
+            <a:r>
+              <a:rPr lang="en-US" sz="900" dirty="0"/>
+              <a:t>   ) </a:t>
+            </a:r>
+            <a:r>
+              <a:rPr lang="en-US" sz="900" dirty="0" err="1"/>
+              <a:t>sum_pogasheno_percent_plan</a:t>
+            </a:r>
+            <a:endParaRPr lang="en-US" sz="900" dirty="0"/>
+          </a:p>
+          <a:p>
+            <a:r>
+              <a:rPr lang="en-US" sz="900" dirty="0"/>
+              <a:t>   ON (</a:t>
+            </a:r>
+            <a:r>
+              <a:rPr lang="en-US" sz="900" dirty="0" err="1"/>
+              <a:t>dog.collect_plan</a:t>
+            </a:r>
+            <a:r>
+              <a:rPr lang="en-US" sz="900" dirty="0"/>
+              <a:t> = </a:t>
+            </a:r>
+            <a:r>
+              <a:rPr lang="en-US" sz="900" dirty="0" err="1"/>
+              <a:t>sum_pogasheno_percent_plan.collection_id</a:t>
+            </a:r>
+            <a:r>
+              <a:rPr lang="en-US" sz="900" dirty="0"/>
+              <a:t>)</a:t>
+            </a:r>
+          </a:p>
+          <a:p>
+            <a:endParaRPr lang="en-US" sz="900" dirty="0"/>
+          </a:p>
+          <a:p>
+            <a:r>
+              <a:rPr lang="en-US" sz="900" dirty="0"/>
+              <a:t>   WHERE</a:t>
+            </a:r>
+          </a:p>
+          <a:p>
+            <a:r>
+              <a:rPr lang="en-US" sz="900" dirty="0"/>
+              <a:t>        </a:t>
+            </a:r>
+            <a:r>
+              <a:rPr lang="en-US" sz="900" dirty="0" err="1"/>
+              <a:t>dog.date_begin</a:t>
+            </a:r>
+            <a:r>
+              <a:rPr lang="en-US" sz="900" dirty="0"/>
+              <a:t> &lt;= c##</a:t>
+            </a:r>
+            <a:r>
+              <a:rPr lang="en-US" sz="900" dirty="0" err="1"/>
+              <a:t>course.fn_get_report.report_dt</a:t>
+            </a:r>
+            <a:endParaRPr lang="en-US" sz="900" dirty="0"/>
+          </a:p>
+          <a:p>
+            <a:r>
+              <a:rPr lang="en-US" sz="900" dirty="0"/>
+              <a:t>   ORDER BY</a:t>
+            </a:r>
+          </a:p>
+          <a:p>
+            <a:r>
+              <a:rPr lang="en-US" sz="900" dirty="0"/>
+              <a:t>        </a:t>
+            </a:r>
+            <a:r>
+              <a:rPr lang="en-US" sz="900" dirty="0" err="1" smtClean="0"/>
+              <a:t>dog.date_begin</a:t>
+            </a:r>
+            <a:r>
+              <a:rPr lang="en-US" sz="900" dirty="0" smtClean="0"/>
+              <a:t>   </a:t>
+            </a:r>
+            <a:r>
+              <a:rPr lang="en-US" sz="900" dirty="0"/>
+              <a:t>;</a:t>
+            </a:r>
+          </a:p>
+          <a:p>
+            <a:endParaRPr lang="en-US" sz="900" dirty="0"/>
+          </a:p>
+          <a:p>
+            <a:r>
+              <a:rPr lang="en-US" sz="900" dirty="0"/>
+              <a:t>-- FOR </a:t>
+            </a:r>
+            <a:r>
+              <a:rPr lang="en-US" sz="900" dirty="0" err="1"/>
+              <a:t>loop_counter</a:t>
+            </a:r>
+            <a:r>
+              <a:rPr lang="en-US" sz="900" dirty="0"/>
+              <a:t> IN [REVERSE] lowest_number..</a:t>
+            </a:r>
+            <a:r>
+              <a:rPr lang="en-US" sz="900" dirty="0" err="1"/>
+              <a:t>highest_number</a:t>
+            </a:r>
+            <a:r>
+              <a:rPr lang="en-US" sz="900" dirty="0"/>
+              <a:t> LOOP</a:t>
+            </a:r>
+          </a:p>
+          <a:p>
+            <a:r>
+              <a:rPr lang="en-US" sz="900" dirty="0"/>
+              <a:t>-- {...statements...}</a:t>
+            </a:r>
+          </a:p>
+          <a:p>
+            <a:r>
+              <a:rPr lang="en-US" sz="900" dirty="0"/>
+              <a:t>-- END LOOP;</a:t>
+            </a:r>
+          </a:p>
+          <a:p>
+            <a:endParaRPr lang="en-US" sz="900" dirty="0"/>
+          </a:p>
+          <a:p>
+            <a:r>
+              <a:rPr lang="en-US" sz="900" dirty="0"/>
+              <a:t>    FOR </a:t>
+            </a:r>
+            <a:r>
+              <a:rPr lang="en-US" sz="900" dirty="0" err="1"/>
+              <a:t>i</a:t>
+            </a:r>
+            <a:r>
+              <a:rPr lang="en-US" sz="900" dirty="0"/>
+              <a:t> IN 1..result_table_report.count LOOP</a:t>
+            </a:r>
+          </a:p>
+          <a:p>
+            <a:r>
+              <a:rPr lang="en-US" sz="900" dirty="0"/>
+              <a:t>        PIPE ROW (c##</a:t>
+            </a:r>
+            <a:r>
+              <a:rPr lang="en-US" sz="900" dirty="0" err="1"/>
+              <a:t>course.report_row</a:t>
+            </a:r>
+            <a:r>
+              <a:rPr lang="en-US" sz="900" dirty="0"/>
+              <a:t> </a:t>
+            </a:r>
+          </a:p>
+          <a:p>
+            <a:r>
+              <a:rPr lang="en-US" sz="900" dirty="0"/>
+              <a:t>        (</a:t>
+            </a:r>
+          </a:p>
+          <a:p>
+            <a:r>
+              <a:rPr lang="en-US" sz="900" dirty="0"/>
+              <a:t>              </a:t>
+            </a:r>
+            <a:r>
+              <a:rPr lang="en-US" sz="900" dirty="0" err="1"/>
+              <a:t>result_table_report</a:t>
+            </a:r>
+            <a:r>
+              <a:rPr lang="en-US" sz="900" dirty="0"/>
+              <a:t>(</a:t>
+            </a:r>
+            <a:r>
+              <a:rPr lang="en-US" sz="900" dirty="0" err="1"/>
+              <a:t>i</a:t>
+            </a:r>
+            <a:r>
+              <a:rPr lang="en-US" sz="900" dirty="0"/>
+              <a:t>).</a:t>
+            </a:r>
+            <a:r>
+              <a:rPr lang="en-US" sz="900" dirty="0" err="1"/>
+              <a:t>num_dog</a:t>
+            </a:r>
+            <a:endParaRPr lang="en-US" sz="900" dirty="0"/>
+          </a:p>
+          <a:p>
+            <a:r>
+              <a:rPr lang="en-US" sz="900" dirty="0"/>
+              <a:t>            , </a:t>
+            </a:r>
+            <a:r>
+              <a:rPr lang="en-US" sz="900" dirty="0" err="1"/>
+              <a:t>result_table_report</a:t>
+            </a:r>
+            <a:r>
+              <a:rPr lang="en-US" sz="900" dirty="0"/>
+              <a:t>(</a:t>
+            </a:r>
+            <a:r>
+              <a:rPr lang="en-US" sz="900" dirty="0" err="1"/>
+              <a:t>i</a:t>
+            </a:r>
+            <a:r>
+              <a:rPr lang="en-US" sz="900" dirty="0"/>
+              <a:t>).</a:t>
+            </a:r>
+            <a:r>
+              <a:rPr lang="en-US" sz="900" dirty="0" err="1"/>
+              <a:t>cl_name</a:t>
+            </a:r>
+            <a:endParaRPr lang="en-US" sz="900" dirty="0"/>
+          </a:p>
+          <a:p>
+            <a:r>
+              <a:rPr lang="en-US" sz="900" dirty="0"/>
+              <a:t>            , </a:t>
+            </a:r>
+            <a:r>
+              <a:rPr lang="en-US" sz="900" dirty="0" err="1"/>
+              <a:t>result_table_report</a:t>
+            </a:r>
+            <a:r>
+              <a:rPr lang="en-US" sz="900" dirty="0"/>
+              <a:t>(</a:t>
+            </a:r>
+            <a:r>
+              <a:rPr lang="en-US" sz="900" dirty="0" err="1"/>
+              <a:t>i</a:t>
+            </a:r>
+            <a:r>
+              <a:rPr lang="en-US" sz="900" dirty="0"/>
+              <a:t>).</a:t>
+            </a:r>
+            <a:r>
+              <a:rPr lang="en-US" sz="900" dirty="0" err="1"/>
+              <a:t>summa_dog</a:t>
+            </a:r>
+            <a:endParaRPr lang="en-US" sz="900" dirty="0"/>
+          </a:p>
+          <a:p>
+            <a:r>
+              <a:rPr lang="en-US" sz="900" dirty="0"/>
+              <a:t>            , </a:t>
+            </a:r>
+            <a:r>
+              <a:rPr lang="en-US" sz="900" dirty="0" err="1"/>
+              <a:t>result_table_report</a:t>
+            </a:r>
+            <a:r>
+              <a:rPr lang="en-US" sz="900" dirty="0"/>
+              <a:t>(</a:t>
+            </a:r>
+            <a:r>
+              <a:rPr lang="en-US" sz="900" dirty="0" err="1"/>
+              <a:t>i</a:t>
+            </a:r>
+            <a:r>
+              <a:rPr lang="en-US" sz="900" dirty="0"/>
+              <a:t>).</a:t>
+            </a:r>
+            <a:r>
+              <a:rPr lang="en-US" sz="900" dirty="0" err="1"/>
+              <a:t>date_begin</a:t>
+            </a:r>
+            <a:endParaRPr lang="en-US" sz="900" dirty="0"/>
+          </a:p>
+          <a:p>
+            <a:r>
+              <a:rPr lang="en-US" sz="900" dirty="0"/>
+              <a:t>            , </a:t>
+            </a:r>
+            <a:r>
+              <a:rPr lang="en-US" sz="900" dirty="0" err="1"/>
+              <a:t>result_table_report</a:t>
+            </a:r>
+            <a:r>
+              <a:rPr lang="en-US" sz="900" dirty="0"/>
+              <a:t>(</a:t>
+            </a:r>
+            <a:r>
+              <a:rPr lang="en-US" sz="900" dirty="0" err="1"/>
+              <a:t>i</a:t>
+            </a:r>
+            <a:r>
+              <a:rPr lang="en-US" sz="900" dirty="0"/>
+              <a:t>).</a:t>
+            </a:r>
+            <a:r>
+              <a:rPr lang="en-US" sz="900" dirty="0" err="1"/>
+              <a:t>date_end</a:t>
+            </a:r>
+            <a:endParaRPr lang="en-US" sz="900" dirty="0"/>
+          </a:p>
+          <a:p>
+            <a:r>
+              <a:rPr lang="en-US" sz="900" dirty="0"/>
+              <a:t>            , </a:t>
+            </a:r>
+            <a:r>
+              <a:rPr lang="en-US" sz="900" dirty="0" err="1"/>
+              <a:t>result_table_report</a:t>
+            </a:r>
+            <a:r>
+              <a:rPr lang="en-US" sz="900" dirty="0"/>
+              <a:t>(</a:t>
+            </a:r>
+            <a:r>
+              <a:rPr lang="en-US" sz="900" dirty="0" err="1"/>
+              <a:t>i</a:t>
+            </a:r>
+            <a:r>
+              <a:rPr lang="en-US" sz="900" dirty="0"/>
+              <a:t>).</a:t>
+            </a:r>
+            <a:r>
+              <a:rPr lang="en-US" sz="900" dirty="0" err="1"/>
+              <a:t>ostat_dolg</a:t>
+            </a:r>
+            <a:endParaRPr lang="en-US" sz="900" dirty="0"/>
+          </a:p>
+          <a:p>
+            <a:r>
+              <a:rPr lang="en-US" sz="900" dirty="0"/>
+              <a:t>            , </a:t>
+            </a:r>
+            <a:r>
+              <a:rPr lang="en-US" sz="900" dirty="0" err="1"/>
+              <a:t>result_table_report</a:t>
+            </a:r>
+            <a:r>
+              <a:rPr lang="en-US" sz="900" dirty="0"/>
+              <a:t>(</a:t>
+            </a:r>
+            <a:r>
+              <a:rPr lang="en-US" sz="900" dirty="0" err="1"/>
+              <a:t>i</a:t>
+            </a:r>
+            <a:r>
+              <a:rPr lang="en-US" sz="900" dirty="0"/>
+              <a:t>).</a:t>
+            </a:r>
+            <a:r>
+              <a:rPr lang="en-US" sz="900" dirty="0" err="1"/>
+              <a:t>need_pogash_percent</a:t>
+            </a:r>
+            <a:endParaRPr lang="en-US" sz="900" dirty="0"/>
+          </a:p>
+          <a:p>
+            <a:r>
+              <a:rPr lang="en-US" sz="900" dirty="0"/>
+              <a:t>        )); </a:t>
+            </a:r>
+          </a:p>
+          <a:p>
+            <a:r>
+              <a:rPr lang="en-US" sz="900" dirty="0"/>
+              <a:t>    END LOOP;     </a:t>
+            </a:r>
+          </a:p>
+          <a:p>
+            <a:r>
+              <a:rPr lang="en-US" sz="900" dirty="0"/>
+              <a:t>    RETURN;</a:t>
+            </a:r>
+          </a:p>
+          <a:p>
+            <a:endParaRPr lang="en-US" sz="900" dirty="0"/>
+          </a:p>
+          <a:p>
+            <a:endParaRPr lang="en-US" sz="900" dirty="0"/>
+          </a:p>
+          <a:p>
+            <a:endParaRPr lang="en-US" sz="900" dirty="0"/>
+          </a:p>
+          <a:p>
+            <a:r>
+              <a:rPr lang="en-US" sz="900" dirty="0"/>
+              <a:t>END;</a:t>
+            </a:r>
+            <a:r>
+              <a:rPr lang="en-US" sz="900" dirty="0" smtClean="0"/>
+              <a:t>        </a:t>
+            </a:r>
+            <a:endParaRPr lang="en-US" sz="900" dirty="0"/>
+          </a:p>
+          <a:p>
+            <a:r>
+              <a:rPr lang="en-US" sz="900" dirty="0"/>
+              <a:t>   </a:t>
+            </a:r>
+            <a:endParaRPr lang="ru-RU" sz="900" dirty="0"/>
           </a:p>
         </p:txBody>
       </p:sp>
     </p:spTree>
     <p:extLst>
       <p:ext uri="{BB962C8B-B14F-4D97-AF65-F5344CB8AC3E}">
-        <p14:creationId xmlns:p14="http://schemas.microsoft.com/office/powerpoint/2010/main" val="3303264672"/>
+        <p14:creationId xmlns:p14="http://schemas.microsoft.com/office/powerpoint/2010/main" val="1016484476"/>
       </p:ext>
     </p:extLst>
   </p:cSld>
@@ -12004,7 +13751,13 @@
       </p:grpSpPr>
       <p:sp>
         <p:nvSpPr>
-          <p:cNvPr id="4" name="Заголовок 4"/>
+          <p:cNvPr id="18" name="Title 7">
+            <a:extLst>
+              <a:ext uri="{FF2B5EF4-FFF2-40B4-BE49-F238E27FC236}">
+                <a16:creationId xmlns:a16="http://schemas.microsoft.com/office/drawing/2014/main" xmlns="" id="{E195DE7B-42F0-4CAA-AAB0-D33DB61C53CA}"/>
+              </a:ext>
+            </a:extLst>
+          </p:cNvPr>
           <p:cNvSpPr>
             <a:spLocks/>
           </p:cNvSpPr>
@@ -12012,78 +13765,1079 @@
         </p:nvSpPr>
         <p:spPr bwMode="auto">
           <a:xfrm>
-            <a:off x="462443" y="2996952"/>
-            <a:ext cx="11161240" cy="1326541"/>
+            <a:off x="191344" y="285978"/>
+            <a:ext cx="11017224" cy="694750"/>
           </a:xfrm>
           <a:prstGeom prst="rect">
             <a:avLst/>
           </a:prstGeom>
         </p:spPr>
         <p:txBody>
-          <a:bodyPr vert="horz" lIns="0" tIns="0" rIns="0" bIns="0" anchor="t" anchorCtr="0"/>
+          <a:bodyPr lIns="0" tIns="0" rIns="0" bIns="0"/>
           <a:lstStyle>
-            <a:lvl1pPr>
-              <a:defRPr sz="6000" b="0" i="0">
-                <a:latin typeface="SB Sans Display Light"/>
-                <a:ea typeface="+mj-ea"/>
-                <a:cs typeface="SB Sans Display Light"/>
-              </a:defRPr>
-            </a:lvl1pPr>
-          </a:lstStyle>
-          <a:p>
-            <a:pPr algn="ctr">
-              <a:defRPr/>
-            </a:pPr>
-            <a:r>
-              <a:rPr lang="ru-RU" sz="5400" b="1" dirty="0">
-                <a:solidFill>
-                  <a:srgbClr val="333F48"/>
-                </a:solidFill>
-                <a:latin typeface="SB Sans Display Semibold"/>
-              </a:rPr>
-              <a:t>Спасибо за внимание!</a:t>
-            </a:r>
-            <a:r>
-              <a:rPr lang="en-US" sz="6000" i="0" u="none" strike="noStrike" cap="none" spc="0" dirty="0">
-                <a:ln>
-                  <a:noFill/>
-                </a:ln>
-                <a:solidFill>
-                  <a:srgbClr val="333F48"/>
-                </a:solidFill>
-                <a:latin typeface="SB Sans Display Light"/>
-                <a:ea typeface="+mj-ea"/>
-                <a:cs typeface="SB Sans Display Light"/>
-              </a:rPr>
-              <a:t> </a:t>
-            </a:r>
-            <a:endParaRPr lang="ru-RU" sz="1600" dirty="0"/>
-          </a:p>
-          <a:p>
-            <a:pPr marL="0" marR="0" lvl="0" indent="0" algn="ctr" defTabSz="914400">
+            <a:lvl1pPr algn="l" defTabSz="914400">
               <a:lnSpc>
-                <a:spcPct val="100000"/>
+                <a:spcPct val="90000"/>
               </a:lnSpc>
               <a:spcBef>
                 <a:spcPts val="0"/>
               </a:spcBef>
-              <a:spcAft>
-                <a:spcPts val="0"/>
-              </a:spcAft>
-              <a:buClrTx/>
-              <a:buSzTx/>
-              <a:buFontTx/>
               <a:buNone/>
-              <a:defRPr/>
-            </a:pPr>
-            <a:endParaRPr lang="ru-RU" dirty="0"/>
+              <a:defRPr sz="4400" b="0" i="0">
+                <a:solidFill>
+                  <a:schemeClr val="tx1"/>
+                </a:solidFill>
+                <a:latin typeface="SB Sans Display Regular"/>
+                <a:ea typeface="+mj-ea"/>
+                <a:cs typeface="+mj-cs"/>
+              </a:defRPr>
+            </a:lvl1pPr>
+          </a:lstStyle>
+          <a:p>
+            <a:pPr>
+              <a:defRPr/>
+            </a:pPr>
+            <a:r>
+              <a:rPr lang="ru-RU" sz="4000" dirty="0" smtClean="0">
+                <a:solidFill>
+                  <a:srgbClr val="333F48"/>
+                </a:solidFill>
+              </a:rPr>
+              <a:t>Функция формирует Отчет (</a:t>
+            </a:r>
+            <a:r>
+              <a:rPr lang="en-US" sz="4000" dirty="0" smtClean="0">
+                <a:solidFill>
+                  <a:srgbClr val="333F48"/>
+                </a:solidFill>
+              </a:rPr>
+              <a:t>HTML</a:t>
+            </a:r>
+            <a:r>
+              <a:rPr lang="ru-RU" sz="4000" dirty="0" smtClean="0">
+                <a:solidFill>
+                  <a:srgbClr val="333F48"/>
+                </a:solidFill>
+              </a:rPr>
+              <a:t>)</a:t>
+            </a:r>
+            <a:endParaRPr lang="ru-RU" sz="1600" dirty="0"/>
+          </a:p>
+          <a:p>
+            <a:pPr>
+              <a:defRPr/>
+            </a:pPr>
+            <a:r>
+              <a:rPr lang="ru-RU" sz="4000" dirty="0">
+                <a:solidFill>
+                  <a:srgbClr val="333F48"/>
+                </a:solidFill>
+              </a:rPr>
+              <a:t> </a:t>
+            </a:r>
+            <a:endParaRPr lang="ru-RU" sz="1600" dirty="0"/>
+          </a:p>
+        </p:txBody>
+      </p:sp>
+      <p:sp>
+        <p:nvSpPr>
+          <p:cNvPr id="2" name="TextBox 1"/>
+          <p:cNvSpPr txBox="1"/>
+          <p:nvPr/>
+        </p:nvSpPr>
+        <p:spPr>
+          <a:xfrm>
+            <a:off x="119336" y="836712"/>
+            <a:ext cx="10081120" cy="6601807"/>
+          </a:xfrm>
+          <a:prstGeom prst="rect">
+            <a:avLst/>
+          </a:prstGeom>
+          <a:noFill/>
+        </p:spPr>
+        <p:txBody>
+          <a:bodyPr wrap="square" rtlCol="0">
+            <a:spAutoFit/>
+          </a:bodyPr>
+          <a:lstStyle/>
+          <a:p>
+            <a:r>
+              <a:rPr lang="en-US" sz="900" dirty="0"/>
+              <a:t>CREATE OR REPLACE PROCEDURE c##</a:t>
+            </a:r>
+            <a:r>
+              <a:rPr lang="en-US" sz="900" dirty="0" err="1"/>
+              <a:t>course.pr_make_report</a:t>
+            </a:r>
+            <a:r>
+              <a:rPr lang="en-US" sz="900" dirty="0"/>
+              <a:t> (</a:t>
+            </a:r>
+            <a:r>
+              <a:rPr lang="en-US" sz="900" dirty="0" err="1"/>
+              <a:t>report_dt</a:t>
+            </a:r>
+            <a:r>
+              <a:rPr lang="en-US" sz="900" dirty="0"/>
+              <a:t> IN DATE)</a:t>
+            </a:r>
+          </a:p>
+          <a:p>
+            <a:r>
+              <a:rPr lang="en-US" sz="900" dirty="0" smtClean="0"/>
+              <a:t>AS</a:t>
+            </a:r>
+            <a:endParaRPr lang="en-US" sz="900" dirty="0"/>
+          </a:p>
+          <a:p>
+            <a:r>
+              <a:rPr lang="en-US" sz="900" dirty="0"/>
+              <a:t>    t NUMBER := 0;</a:t>
+            </a:r>
+          </a:p>
+          <a:p>
+            <a:r>
+              <a:rPr lang="en-US" sz="900" dirty="0"/>
+              <a:t>BEGIN</a:t>
+            </a:r>
+          </a:p>
+          <a:p>
+            <a:r>
+              <a:rPr lang="en-US" sz="900" dirty="0" smtClean="0"/>
+              <a:t>    </a:t>
+            </a:r>
+            <a:r>
+              <a:rPr lang="en-US" sz="900" dirty="0"/>
+              <a:t>t := 0;</a:t>
+            </a:r>
+          </a:p>
+          <a:p>
+            <a:r>
+              <a:rPr lang="en-US" sz="900" dirty="0" smtClean="0"/>
+              <a:t>DBMS_OUTPUT.PUT_LINE</a:t>
+            </a:r>
+            <a:r>
+              <a:rPr lang="en-US" sz="900" dirty="0"/>
+              <a:t>('&lt;html </a:t>
+            </a:r>
+            <a:r>
+              <a:rPr lang="en-US" sz="900" dirty="0" err="1"/>
+              <a:t>xmlns:o</a:t>
+            </a:r>
+            <a:r>
+              <a:rPr lang="en-US" sz="900" dirty="0"/>
+              <a:t>="</a:t>
+            </a:r>
+            <a:r>
+              <a:rPr lang="en-US" sz="900" dirty="0" err="1"/>
+              <a:t>urn:schemas-microsoft-com:office:office</a:t>
+            </a:r>
+            <a:r>
+              <a:rPr lang="en-US" sz="900" dirty="0"/>
+              <a:t>" </a:t>
+            </a:r>
+            <a:r>
+              <a:rPr lang="en-US" sz="900" dirty="0" err="1"/>
+              <a:t>xmlns:x</a:t>
+            </a:r>
+            <a:r>
+              <a:rPr lang="en-US" sz="900" dirty="0"/>
+              <a:t>="</a:t>
+            </a:r>
+            <a:r>
+              <a:rPr lang="en-US" sz="900" dirty="0" err="1"/>
+              <a:t>urn:schemas-microsoft-com:office:excel</a:t>
+            </a:r>
+            <a:r>
+              <a:rPr lang="en-US" sz="900" dirty="0"/>
+              <a:t>" </a:t>
+            </a:r>
+            <a:r>
+              <a:rPr lang="en-US" sz="900" dirty="0" err="1"/>
+              <a:t>xmlns</a:t>
+            </a:r>
+            <a:r>
+              <a:rPr lang="en-US" sz="900" dirty="0"/>
+              <a:t>="http://www.w3.org/TR/REC-html40"&gt;');</a:t>
+            </a:r>
+          </a:p>
+          <a:p>
+            <a:r>
+              <a:rPr lang="en-US" sz="900" dirty="0"/>
+              <a:t> </a:t>
+            </a:r>
+            <a:r>
+              <a:rPr lang="en-US" sz="900" dirty="0" smtClean="0"/>
+              <a:t>   …………..</a:t>
+            </a:r>
+          </a:p>
+          <a:p>
+            <a:r>
+              <a:rPr lang="en-US" sz="900" dirty="0" smtClean="0"/>
+              <a:t>    DBMS_OUTPUT.PUT_LINE</a:t>
+            </a:r>
+            <a:r>
+              <a:rPr lang="en-US" sz="900" dirty="0"/>
+              <a:t>('&lt;/head&gt;');</a:t>
+            </a:r>
+          </a:p>
+          <a:p>
+            <a:r>
+              <a:rPr lang="en-US" sz="900" dirty="0"/>
+              <a:t>    DBMS_OUTPUT.PUT_LINE('&lt;body&gt;');</a:t>
+            </a:r>
+          </a:p>
+          <a:p>
+            <a:r>
+              <a:rPr lang="en-US" sz="900" dirty="0"/>
+              <a:t>    DBMS_OUTPUT.PUT_LINE('&lt;style&gt;col{</a:t>
+            </a:r>
+            <a:r>
+              <a:rPr lang="en-US" sz="900" dirty="0" err="1"/>
+              <a:t>mso-width-source:auto</a:t>
+            </a:r>
+            <a:r>
+              <a:rPr lang="en-US" sz="900" dirty="0"/>
+              <a:t>}</a:t>
+            </a:r>
+            <a:r>
+              <a:rPr lang="en-US" sz="900" dirty="0" err="1"/>
+              <a:t>br</a:t>
+            </a:r>
+            <a:r>
+              <a:rPr lang="en-US" sz="900" dirty="0"/>
+              <a:t>{</a:t>
+            </a:r>
+            <a:r>
+              <a:rPr lang="en-US" sz="900" dirty="0" err="1"/>
+              <a:t>mso-data-placement:same-cell</a:t>
+            </a:r>
+            <a:r>
+              <a:rPr lang="en-US" sz="900" dirty="0"/>
+              <a:t>}td{font-size:8pt;vertical-align:bottom}&lt;/style&gt;');</a:t>
+            </a:r>
+          </a:p>
+          <a:p>
+            <a:r>
+              <a:rPr lang="en-US" sz="900" dirty="0"/>
+              <a:t>    DBMS_OUTPUT.PUT_LINE('&lt;table&gt;');</a:t>
+            </a:r>
+          </a:p>
+          <a:p>
+            <a:r>
+              <a:rPr lang="en-US" sz="900" dirty="0"/>
+              <a:t>    DBMS_OUTPUT.PUT_LINE('&lt;</a:t>
+            </a:r>
+            <a:r>
+              <a:rPr lang="en-US" sz="900" dirty="0" err="1"/>
+              <a:t>tr</a:t>
+            </a:r>
+            <a:r>
+              <a:rPr lang="en-US" sz="900" dirty="0"/>
+              <a:t>&gt;');</a:t>
+            </a:r>
+          </a:p>
+          <a:p>
+            <a:r>
+              <a:rPr lang="en-US" sz="900" dirty="0"/>
+              <a:t>    DBMS_OUTPUT.PUT_LINE('&lt;td </a:t>
+            </a:r>
+            <a:r>
+              <a:rPr lang="en-US" sz="900" dirty="0" err="1"/>
+              <a:t>bgcolor</a:t>
+            </a:r>
+            <a:r>
+              <a:rPr lang="en-US" sz="900" dirty="0"/>
+              <a:t>="#DDDDFF" style="border-color:#000000;border-style:solid;border-width:.5pt .5pt .5pt .5pt"&gt;№ </a:t>
+            </a:r>
+            <a:r>
+              <a:rPr lang="ru-RU" sz="900" dirty="0" err="1"/>
+              <a:t>п.п</a:t>
+            </a:r>
+            <a:r>
+              <a:rPr lang="ru-RU" sz="900" dirty="0"/>
+              <a:t>.&lt;/</a:t>
+            </a:r>
+            <a:r>
+              <a:rPr lang="en-US" sz="900" dirty="0"/>
+              <a:t>td&gt;');</a:t>
+            </a:r>
+          </a:p>
+          <a:p>
+            <a:r>
+              <a:rPr lang="en-US" sz="900" dirty="0"/>
+              <a:t>    DBMS_OUTPUT.PUT_LINE('&lt;td </a:t>
+            </a:r>
+            <a:r>
+              <a:rPr lang="en-US" sz="900" dirty="0" err="1"/>
+              <a:t>bgcolor</a:t>
+            </a:r>
+            <a:r>
+              <a:rPr lang="en-US" sz="900" dirty="0"/>
+              <a:t>="#DDDDFF" style="border-color:#000000;border-style:solid;border-width:.5pt .5pt .5pt  0pt"&gt;</a:t>
+            </a:r>
+            <a:r>
+              <a:rPr lang="ru-RU" sz="900" dirty="0"/>
+              <a:t>Номер договора&lt;/</a:t>
+            </a:r>
+            <a:r>
+              <a:rPr lang="en-US" sz="900" dirty="0"/>
+              <a:t>td&gt;');</a:t>
+            </a:r>
+          </a:p>
+          <a:p>
+            <a:r>
+              <a:rPr lang="en-US" sz="900" dirty="0"/>
+              <a:t>    DBMS_OUTPUT.PUT_LINE('&lt;td </a:t>
+            </a:r>
+            <a:r>
+              <a:rPr lang="en-US" sz="900" dirty="0" err="1"/>
+              <a:t>bgcolor</a:t>
+            </a:r>
+            <a:r>
+              <a:rPr lang="en-US" sz="900" dirty="0"/>
+              <a:t>="#DDDDFF" style="border-color:#000000;border-style:solid;border-width:.5pt .5pt .5pt  0pt"&gt;</a:t>
+            </a:r>
+            <a:r>
+              <a:rPr lang="ru-RU" sz="900" dirty="0"/>
+              <a:t>ФИО клиента&lt;/</a:t>
+            </a:r>
+            <a:r>
+              <a:rPr lang="en-US" sz="900" dirty="0"/>
+              <a:t>td&gt;');</a:t>
+            </a:r>
+          </a:p>
+          <a:p>
+            <a:r>
+              <a:rPr lang="en-US" sz="900" dirty="0"/>
+              <a:t>    DBMS_OUTPUT.PUT_LINE('&lt;td </a:t>
+            </a:r>
+            <a:r>
+              <a:rPr lang="en-US" sz="900" dirty="0" err="1"/>
+              <a:t>bgcolor</a:t>
+            </a:r>
+            <a:r>
+              <a:rPr lang="en-US" sz="900" dirty="0"/>
+              <a:t>="#DDDDFF" style="border-color:#000000;border-style:solid;border-width:.5pt .5pt .5pt  0pt"&gt;</a:t>
+            </a:r>
+            <a:r>
+              <a:rPr lang="ru-RU" sz="900" dirty="0"/>
+              <a:t>Сумма договора&lt;/</a:t>
+            </a:r>
+            <a:r>
+              <a:rPr lang="en-US" sz="900" dirty="0"/>
+              <a:t>td&gt;');</a:t>
+            </a:r>
+          </a:p>
+          <a:p>
+            <a:r>
+              <a:rPr lang="en-US" sz="900" dirty="0"/>
+              <a:t>    DBMS_OUTPUT.PUT_LINE('&lt;td </a:t>
+            </a:r>
+            <a:r>
+              <a:rPr lang="en-US" sz="900" dirty="0" err="1"/>
+              <a:t>bgcolor</a:t>
+            </a:r>
+            <a:r>
+              <a:rPr lang="en-US" sz="900" dirty="0"/>
+              <a:t>="#DDDDFF" style="border-color:#000000;border-style:solid;border-width:.5pt .5pt .5pt  0pt"&gt;</a:t>
+            </a:r>
+            <a:r>
+              <a:rPr lang="ru-RU" sz="900" dirty="0"/>
+              <a:t>Дата начала договора&lt;/</a:t>
+            </a:r>
+            <a:r>
+              <a:rPr lang="en-US" sz="900" dirty="0"/>
+              <a:t>td&gt;');</a:t>
+            </a:r>
+          </a:p>
+          <a:p>
+            <a:r>
+              <a:rPr lang="en-US" sz="900" dirty="0"/>
+              <a:t>    DBMS_OUTPUT.PUT_LINE('&lt;td </a:t>
+            </a:r>
+            <a:r>
+              <a:rPr lang="en-US" sz="900" dirty="0" err="1"/>
+              <a:t>bgcolor</a:t>
+            </a:r>
+            <a:r>
+              <a:rPr lang="en-US" sz="900" dirty="0"/>
+              <a:t>="#DDDDFF" style="border-color:#000000;border-style:solid;border-width:.5pt .5pt .5pt  0pt"&gt;</a:t>
+            </a:r>
+            <a:r>
+              <a:rPr lang="ru-RU" sz="900" dirty="0"/>
+              <a:t>Дата окончания договора&lt;/</a:t>
+            </a:r>
+            <a:r>
+              <a:rPr lang="en-US" sz="900" dirty="0"/>
+              <a:t>td&gt;');</a:t>
+            </a:r>
+          </a:p>
+          <a:p>
+            <a:r>
+              <a:rPr lang="en-US" sz="900" dirty="0"/>
+              <a:t>    DBMS_OUTPUT.PUT_LINE('&lt;td </a:t>
+            </a:r>
+            <a:r>
+              <a:rPr lang="en-US" sz="900" dirty="0" err="1"/>
+              <a:t>bgcolor</a:t>
+            </a:r>
+            <a:r>
+              <a:rPr lang="en-US" sz="900" dirty="0"/>
+              <a:t>="#DDDDFF" style="border-color:#000000;border-style:solid;border-width:.5pt .5pt .5pt  0pt"&gt;</a:t>
+            </a:r>
+            <a:r>
+              <a:rPr lang="ru-RU" sz="900" dirty="0"/>
+              <a:t>Остаток ссудной задолженности&lt;/</a:t>
+            </a:r>
+            <a:r>
+              <a:rPr lang="en-US" sz="900" dirty="0"/>
+              <a:t>td&gt;');</a:t>
+            </a:r>
+          </a:p>
+          <a:p>
+            <a:r>
+              <a:rPr lang="en-US" sz="900" dirty="0"/>
+              <a:t>    DBMS_OUTPUT.PUT_LINE('&lt;td </a:t>
+            </a:r>
+            <a:r>
+              <a:rPr lang="en-US" sz="900" dirty="0" err="1"/>
+              <a:t>bgcolor</a:t>
+            </a:r>
+            <a:r>
+              <a:rPr lang="en-US" sz="900" dirty="0"/>
+              <a:t>="#DDDDFF" style="border-color:#000000;border-style:solid;border-width:.5pt .5pt .5pt  0pt"&gt;</a:t>
+            </a:r>
+            <a:r>
+              <a:rPr lang="ru-RU" sz="900" dirty="0"/>
+              <a:t>Сумма предстоящих процентов к погашению&lt;/</a:t>
+            </a:r>
+            <a:r>
+              <a:rPr lang="en-US" sz="900" dirty="0"/>
+              <a:t>td&gt;');</a:t>
+            </a:r>
+          </a:p>
+          <a:p>
+            <a:r>
+              <a:rPr lang="en-US" sz="900" dirty="0"/>
+              <a:t>    DBMS_OUTPUT.PUT_LINE('&lt;/</a:t>
+            </a:r>
+            <a:r>
+              <a:rPr lang="en-US" sz="900" dirty="0" err="1"/>
+              <a:t>tr</a:t>
+            </a:r>
+            <a:r>
+              <a:rPr lang="en-US" sz="900" dirty="0"/>
+              <a:t>&gt;');</a:t>
+            </a:r>
+          </a:p>
+          <a:p>
+            <a:r>
+              <a:rPr lang="en-US" sz="900" dirty="0"/>
+              <a:t>      </a:t>
+            </a:r>
+          </a:p>
+          <a:p>
+            <a:r>
+              <a:rPr lang="en-US" sz="900" dirty="0"/>
+              <a:t>    FOR </a:t>
+            </a:r>
+            <a:r>
+              <a:rPr lang="en-US" sz="900" dirty="0" err="1"/>
+              <a:t>i</a:t>
+            </a:r>
+            <a:r>
+              <a:rPr lang="en-US" sz="900" dirty="0"/>
+              <a:t> IN (</a:t>
+            </a:r>
+          </a:p>
+          <a:p>
+            <a:r>
+              <a:rPr lang="en-US" sz="900" dirty="0"/>
+              <a:t>        SELECT * FROM c##</a:t>
+            </a:r>
+            <a:r>
+              <a:rPr lang="en-US" sz="900" dirty="0" err="1"/>
+              <a:t>course.fn_get_report</a:t>
+            </a:r>
+            <a:r>
+              <a:rPr lang="en-US" sz="900" dirty="0"/>
+              <a:t> (</a:t>
+            </a:r>
+            <a:r>
+              <a:rPr lang="en-US" sz="900" dirty="0" err="1"/>
+              <a:t>report_dt</a:t>
+            </a:r>
+            <a:r>
+              <a:rPr lang="en-US" sz="900" dirty="0"/>
+              <a:t>)</a:t>
+            </a:r>
+          </a:p>
+          <a:p>
+            <a:r>
+              <a:rPr lang="en-US" sz="900" dirty="0"/>
+              <a:t>    ) LOOP</a:t>
+            </a:r>
+          </a:p>
+          <a:p>
+            <a:r>
+              <a:rPr lang="en-US" sz="900" dirty="0" smtClean="0"/>
+              <a:t>    </a:t>
+            </a:r>
+          </a:p>
+          <a:p>
+            <a:pPr lvl="1"/>
+            <a:r>
+              <a:rPr lang="en-US" sz="900" dirty="0" smtClean="0"/>
+              <a:t>    t := t + 1;</a:t>
+            </a:r>
+          </a:p>
+          <a:p>
+            <a:pPr lvl="1"/>
+            <a:r>
+              <a:rPr lang="en-US" sz="900" dirty="0" smtClean="0"/>
+              <a:t>    </a:t>
+            </a:r>
+            <a:r>
+              <a:rPr lang="en-US" sz="900" dirty="0"/>
+              <a:t>DBMS_OUTPUT.PUT_LINE('&lt;</a:t>
+            </a:r>
+            <a:r>
+              <a:rPr lang="en-US" sz="900" dirty="0" err="1"/>
+              <a:t>tr</a:t>
+            </a:r>
+            <a:r>
+              <a:rPr lang="en-US" sz="900" dirty="0"/>
+              <a:t>&gt;');</a:t>
+            </a:r>
+          </a:p>
+          <a:p>
+            <a:pPr lvl="1"/>
+            <a:r>
+              <a:rPr lang="en-US" sz="900" dirty="0"/>
+              <a:t>    DBMS_OUTPUT.PUT_LINE('&lt;td style="border-color:#000000;border-style:solid;border-width:.5pt .5pt .5pt .5pt;text-align:right"&gt;' || t || '&lt;/td&gt;');</a:t>
+            </a:r>
+          </a:p>
+          <a:p>
+            <a:pPr lvl="1"/>
+            <a:r>
+              <a:rPr lang="en-US" sz="900" dirty="0"/>
+              <a:t>    DBMS_OUTPUT.PUT_LINE('&lt;td style="border-color:#000000;border-style:solid;border-width:.5pt .5pt .5pt  0pt"&gt;' || </a:t>
+            </a:r>
+            <a:r>
+              <a:rPr lang="en-US" sz="900" dirty="0" err="1"/>
+              <a:t>i.num_dog</a:t>
+            </a:r>
+            <a:r>
+              <a:rPr lang="en-US" sz="900" dirty="0"/>
+              <a:t> || '&lt;/td&gt;');</a:t>
+            </a:r>
+          </a:p>
+          <a:p>
+            <a:pPr lvl="1"/>
+            <a:r>
+              <a:rPr lang="en-US" sz="900" dirty="0"/>
+              <a:t>    DBMS_OUTPUT.PUT_LINE('&lt;td style="border-color:#000000;border-style:solid;border-width:.5pt .5pt .5pt  0pt"&gt;' || </a:t>
+            </a:r>
+            <a:r>
+              <a:rPr lang="en-US" sz="900" dirty="0" err="1"/>
+              <a:t>i.cl_name</a:t>
+            </a:r>
+            <a:r>
+              <a:rPr lang="en-US" sz="900" dirty="0"/>
+              <a:t> || '&lt;/td&gt;');</a:t>
+            </a:r>
+          </a:p>
+          <a:p>
+            <a:pPr lvl="1"/>
+            <a:r>
+              <a:rPr lang="en-US" sz="900" dirty="0"/>
+              <a:t>    DBMS_OUTPUT.PUT_LINE('&lt;td style="border-color:#000000;border-style:solid;border-width:.5pt .5pt .5pt  0pt;mso-number-format:''Standard'';text-align:right"&gt;' || </a:t>
+            </a:r>
+            <a:r>
+              <a:rPr lang="en-US" sz="900" dirty="0" err="1"/>
+              <a:t>i.summa_dog</a:t>
+            </a:r>
+            <a:r>
+              <a:rPr lang="en-US" sz="900" dirty="0"/>
+              <a:t> || '&lt;/td&gt;');</a:t>
+            </a:r>
+          </a:p>
+          <a:p>
+            <a:pPr lvl="1"/>
+            <a:r>
+              <a:rPr lang="en-US" sz="900" dirty="0"/>
+              <a:t>    DBMS_OUTPUT.PUT_LINE('&lt;td style="border-color:#000000;border-style:solid;border-width:.5pt .5pt .5pt  0pt;text-align:right"&gt;' || </a:t>
+            </a:r>
+            <a:r>
+              <a:rPr lang="en-US" sz="900" dirty="0" err="1"/>
+              <a:t>i.date_begin</a:t>
+            </a:r>
+            <a:r>
+              <a:rPr lang="en-US" sz="900" dirty="0"/>
+              <a:t> || '&lt;/td&gt;');</a:t>
+            </a:r>
+          </a:p>
+          <a:p>
+            <a:pPr lvl="1"/>
+            <a:r>
+              <a:rPr lang="en-US" sz="900" dirty="0"/>
+              <a:t>    DBMS_OUTPUT.PUT_LINE('&lt;td style="border-color:#000000;border-style:solid;border-width:.5pt .5pt .5pt  0pt;text-align:right"&gt;'  || </a:t>
+            </a:r>
+            <a:r>
+              <a:rPr lang="en-US" sz="900" dirty="0" err="1"/>
+              <a:t>i.date_end</a:t>
+            </a:r>
+            <a:r>
+              <a:rPr lang="en-US" sz="900" dirty="0"/>
+              <a:t> ||  '&lt;/td&gt;');</a:t>
+            </a:r>
+          </a:p>
+          <a:p>
+            <a:pPr lvl="1"/>
+            <a:r>
+              <a:rPr lang="en-US" sz="900" dirty="0"/>
+              <a:t>    DBMS_OUTPUT.PUT_LINE('&lt;td style="border-color:#000000;border-style:solid;border-width:.5pt .5pt .5pt  0pt;mso-number-format:''Standard'';text-align:right"&gt;' || </a:t>
+            </a:r>
+            <a:r>
+              <a:rPr lang="en-US" sz="900" dirty="0" err="1"/>
+              <a:t>i.ostat_dolg</a:t>
+            </a:r>
+            <a:r>
+              <a:rPr lang="en-US" sz="900" dirty="0"/>
+              <a:t> || '&lt;/td&gt;');</a:t>
+            </a:r>
+          </a:p>
+          <a:p>
+            <a:pPr lvl="1"/>
+            <a:r>
+              <a:rPr lang="en-US" sz="900" dirty="0"/>
+              <a:t>    DBMS_OUTPUT.PUT_LINE('&lt;td style="border-color:#000000;border-style:solid;border-width:.5pt .5pt .5pt  0pt;mso-number-format:''Standard'';text-align:right"&gt;' || </a:t>
+            </a:r>
+            <a:r>
+              <a:rPr lang="en-US" sz="900" dirty="0" err="1"/>
+              <a:t>i.need_pogash_percent</a:t>
+            </a:r>
+            <a:r>
+              <a:rPr lang="en-US" sz="900" dirty="0"/>
+              <a:t> || '&lt;/td&gt;');</a:t>
+            </a:r>
+          </a:p>
+          <a:p>
+            <a:pPr lvl="1"/>
+            <a:r>
+              <a:rPr lang="en-US" sz="900" dirty="0"/>
+              <a:t>    DBMS_OUTPUT.PUT_LINE('&lt;/</a:t>
+            </a:r>
+            <a:r>
+              <a:rPr lang="en-US" sz="900" dirty="0" err="1"/>
+              <a:t>tr</a:t>
+            </a:r>
+            <a:r>
+              <a:rPr lang="en-US" sz="900" dirty="0"/>
+              <a:t>&gt;');</a:t>
+            </a:r>
+          </a:p>
+          <a:p>
+            <a:r>
+              <a:rPr lang="en-US" sz="900" dirty="0" smtClean="0"/>
+              <a:t>    END </a:t>
+            </a:r>
+            <a:r>
+              <a:rPr lang="en-US" sz="900" dirty="0"/>
+              <a:t>LOOP;</a:t>
+            </a:r>
+          </a:p>
+          <a:p>
+            <a:r>
+              <a:rPr lang="en-US" sz="900" dirty="0" smtClean="0"/>
+              <a:t>    DBMS_OUTPUT.PUT_LINE</a:t>
+            </a:r>
+            <a:r>
+              <a:rPr lang="en-US" sz="900" dirty="0"/>
+              <a:t>('&lt;/table&gt;');</a:t>
+            </a:r>
+          </a:p>
+          <a:p>
+            <a:r>
+              <a:rPr lang="en-US" sz="900" dirty="0"/>
+              <a:t>    DBMS_OUTPUT.PUT_LINE('&lt;/table&gt;');</a:t>
+            </a:r>
+          </a:p>
+          <a:p>
+            <a:r>
+              <a:rPr lang="en-US" sz="900" dirty="0"/>
+              <a:t>    DBMS_OUTPUT.PUT_LINE('&lt;/html&gt;');</a:t>
+            </a:r>
+          </a:p>
+          <a:p>
+            <a:endParaRPr lang="en-US" sz="900" dirty="0"/>
+          </a:p>
+          <a:p>
+            <a:r>
+              <a:rPr lang="en-US" sz="900" dirty="0"/>
+              <a:t>END;</a:t>
+            </a:r>
+          </a:p>
+          <a:p>
+            <a:endParaRPr lang="en-US" sz="900" dirty="0"/>
+          </a:p>
+          <a:p>
+            <a:r>
+              <a:rPr lang="en-US" sz="900" dirty="0"/>
+              <a:t>    </a:t>
+            </a:r>
+          </a:p>
+          <a:p>
+            <a:endParaRPr lang="en-US" sz="900" dirty="0"/>
           </a:p>
         </p:txBody>
       </p:sp>
     </p:spTree>
     <p:extLst>
       <p:ext uri="{BB962C8B-B14F-4D97-AF65-F5344CB8AC3E}">
-        <p14:creationId xmlns:p14="http://schemas.microsoft.com/office/powerpoint/2010/main" val="1458184671"/>
+        <p14:creationId xmlns:p14="http://schemas.microsoft.com/office/powerpoint/2010/main" val="193762697"/>
+      </p:ext>
+    </p:extLst>
+  </p:cSld>
+  <p:clrMapOvr>
+    <a:masterClrMapping/>
+  </p:clrMapOvr>
+</p:sld>
+</file>
+
+<file path=ppt/slides/slide9.xml><?xml version="1.0" encoding="utf-8"?>
+<p:sld xmlns:a="http://schemas.openxmlformats.org/drawingml/2006/main" xmlns:r="http://schemas.openxmlformats.org/officeDocument/2006/relationships" xmlns:p="http://schemas.openxmlformats.org/presentationml/2006/main" showMasterPhAnim="0">
+  <p:cSld>
+    <p:spTree>
+      <p:nvGrpSpPr>
+        <p:cNvPr id="1" name=""/>
+        <p:cNvGrpSpPr/>
+        <p:nvPr/>
+      </p:nvGrpSpPr>
+      <p:grpSpPr bwMode="auto">
+        <a:xfrm>
+          <a:off x="0" y="0"/>
+          <a:ext cx="0" cy="0"/>
+          <a:chOff x="0" y="0"/>
+          <a:chExt cx="0" cy="0"/>
+        </a:xfrm>
+      </p:grpSpPr>
+      <p:sp>
+        <p:nvSpPr>
+          <p:cNvPr id="18" name="Title 7">
+            <a:extLst>
+              <a:ext uri="{FF2B5EF4-FFF2-40B4-BE49-F238E27FC236}">
+                <a16:creationId xmlns:a16="http://schemas.microsoft.com/office/drawing/2014/main" xmlns="" id="{E195DE7B-42F0-4CAA-AAB0-D33DB61C53CA}"/>
+              </a:ext>
+            </a:extLst>
+          </p:cNvPr>
+          <p:cNvSpPr>
+            <a:spLocks/>
+          </p:cNvSpPr>
+          <p:nvPr/>
+        </p:nvSpPr>
+        <p:spPr bwMode="auto">
+          <a:xfrm>
+            <a:off x="191344" y="285978"/>
+            <a:ext cx="11017224" cy="694750"/>
+          </a:xfrm>
+          <a:prstGeom prst="rect">
+            <a:avLst/>
+          </a:prstGeom>
+        </p:spPr>
+        <p:txBody>
+          <a:bodyPr lIns="0" tIns="0" rIns="0" bIns="0"/>
+          <a:lstStyle>
+            <a:lvl1pPr algn="l" defTabSz="914400">
+              <a:lnSpc>
+                <a:spcPct val="90000"/>
+              </a:lnSpc>
+              <a:spcBef>
+                <a:spcPts val="0"/>
+              </a:spcBef>
+              <a:buNone/>
+              <a:defRPr sz="4400" b="0" i="0">
+                <a:solidFill>
+                  <a:schemeClr val="tx1"/>
+                </a:solidFill>
+                <a:latin typeface="SB Sans Display Regular"/>
+                <a:ea typeface="+mj-ea"/>
+                <a:cs typeface="+mj-cs"/>
+              </a:defRPr>
+            </a:lvl1pPr>
+          </a:lstStyle>
+          <a:p>
+            <a:pPr>
+              <a:defRPr/>
+            </a:pPr>
+            <a:r>
+              <a:rPr lang="ru-RU" sz="4000" dirty="0" smtClean="0">
+                <a:solidFill>
+                  <a:srgbClr val="333F48"/>
+                </a:solidFill>
+              </a:rPr>
+              <a:t>Экспорт отчета в </a:t>
+            </a:r>
+            <a:r>
+              <a:rPr lang="en-US" sz="4000" dirty="0" smtClean="0">
+                <a:solidFill>
+                  <a:srgbClr val="333F48"/>
+                </a:solidFill>
+              </a:rPr>
+              <a:t>EXCEL</a:t>
+            </a:r>
+            <a:endParaRPr lang="ru-RU" sz="1600" dirty="0"/>
+          </a:p>
+          <a:p>
+            <a:pPr>
+              <a:defRPr/>
+            </a:pPr>
+            <a:r>
+              <a:rPr lang="ru-RU" sz="4000" dirty="0">
+                <a:solidFill>
+                  <a:srgbClr val="333F48"/>
+                </a:solidFill>
+              </a:rPr>
+              <a:t> </a:t>
+            </a:r>
+            <a:endParaRPr lang="ru-RU" sz="1600" dirty="0"/>
+          </a:p>
+        </p:txBody>
+      </p:sp>
+      <p:sp>
+        <p:nvSpPr>
+          <p:cNvPr id="2" name="TextBox 1"/>
+          <p:cNvSpPr txBox="1"/>
+          <p:nvPr/>
+        </p:nvSpPr>
+        <p:spPr>
+          <a:xfrm>
+            <a:off x="119336" y="836712"/>
+            <a:ext cx="10081120" cy="3139321"/>
+          </a:xfrm>
+          <a:prstGeom prst="rect">
+            <a:avLst/>
+          </a:prstGeom>
+          <a:noFill/>
+        </p:spPr>
+        <p:txBody>
+          <a:bodyPr wrap="square" rtlCol="0">
+            <a:spAutoFit/>
+          </a:bodyPr>
+          <a:lstStyle/>
+          <a:p>
+            <a:r>
+              <a:rPr lang="en-US" sz="900" dirty="0"/>
+              <a:t>SET FEEDBACK OFF</a:t>
+            </a:r>
+          </a:p>
+          <a:p>
+            <a:r>
+              <a:rPr lang="en-US" sz="900" dirty="0"/>
+              <a:t>SET ECHO OFF</a:t>
+            </a:r>
+          </a:p>
+          <a:p>
+            <a:r>
+              <a:rPr lang="en-US" sz="900" dirty="0"/>
+              <a:t>SET VERIFY OFF</a:t>
+            </a:r>
+          </a:p>
+          <a:p>
+            <a:r>
+              <a:rPr lang="en-US" sz="900" dirty="0"/>
+              <a:t>SET SERVEROUTPUT ON</a:t>
+            </a:r>
+          </a:p>
+          <a:p>
+            <a:r>
+              <a:rPr lang="en-US" sz="900" dirty="0"/>
+              <a:t>/</a:t>
+            </a:r>
+          </a:p>
+          <a:p>
+            <a:r>
+              <a:rPr lang="en-US" sz="900" dirty="0"/>
+              <a:t>REM </a:t>
+            </a:r>
+            <a:r>
+              <a:rPr lang="ru-RU" sz="900" dirty="0"/>
+              <a:t>Запрашиваем Дату отчета</a:t>
+            </a:r>
+          </a:p>
+          <a:p>
+            <a:r>
+              <a:rPr lang="en-US" sz="900" dirty="0"/>
+              <a:t>DEFINE </a:t>
+            </a:r>
+            <a:r>
+              <a:rPr lang="en-US" sz="900" dirty="0" err="1"/>
+              <a:t>dt</a:t>
+            </a:r>
+            <a:r>
+              <a:rPr lang="en-US" sz="900" dirty="0"/>
+              <a:t> = &amp;1</a:t>
+            </a:r>
+          </a:p>
+          <a:p>
+            <a:r>
+              <a:rPr lang="en-US" sz="900" dirty="0"/>
+              <a:t>REM </a:t>
+            </a:r>
+            <a:r>
+              <a:rPr lang="ru-RU" sz="900" dirty="0"/>
+              <a:t>Имя файла отчета отражает Дату отчета</a:t>
+            </a:r>
+          </a:p>
+          <a:p>
+            <a:r>
+              <a:rPr lang="en-US" sz="900" dirty="0"/>
+              <a:t>DEFINE </a:t>
+            </a:r>
+            <a:r>
+              <a:rPr lang="en-US" sz="900" dirty="0" err="1"/>
+              <a:t>spool_file</a:t>
+            </a:r>
+            <a:r>
+              <a:rPr lang="en-US" sz="900" dirty="0"/>
+              <a:t> = 'c:\Temp\&amp;</a:t>
+            </a:r>
+            <a:r>
+              <a:rPr lang="en-US" sz="900" dirty="0" err="1"/>
+              <a:t>dt</a:t>
+            </a:r>
+            <a:r>
+              <a:rPr lang="en-US" sz="900" dirty="0"/>
+              <a:t>..</a:t>
+            </a:r>
+            <a:r>
+              <a:rPr lang="en-US" sz="900" dirty="0" err="1"/>
+              <a:t>xls</a:t>
+            </a:r>
+            <a:r>
+              <a:rPr lang="en-US" sz="900" dirty="0"/>
+              <a:t>'</a:t>
+            </a:r>
+          </a:p>
+          <a:p>
+            <a:r>
+              <a:rPr lang="en-US" sz="900" dirty="0"/>
+              <a:t>SPOOL &amp;</a:t>
+            </a:r>
+            <a:r>
+              <a:rPr lang="en-US" sz="900" dirty="0" err="1"/>
+              <a:t>spool_file</a:t>
+            </a:r>
+            <a:endParaRPr lang="en-US" sz="900" dirty="0"/>
+          </a:p>
+          <a:p>
+            <a:r>
+              <a:rPr lang="en-US" sz="900" dirty="0"/>
+              <a:t>/</a:t>
+            </a:r>
+          </a:p>
+          <a:p>
+            <a:endParaRPr lang="en-US" sz="900" dirty="0"/>
+          </a:p>
+          <a:p>
+            <a:r>
+              <a:rPr lang="en-US" sz="900" dirty="0"/>
+              <a:t>BEGIN</a:t>
+            </a:r>
+          </a:p>
+          <a:p>
+            <a:endParaRPr lang="en-US" sz="900" dirty="0"/>
+          </a:p>
+          <a:p>
+            <a:r>
+              <a:rPr lang="en-US" sz="900" dirty="0"/>
+              <a:t>    FOR </a:t>
+            </a:r>
+            <a:r>
+              <a:rPr lang="en-US" sz="900" dirty="0" err="1"/>
+              <a:t>i</a:t>
+            </a:r>
+            <a:r>
+              <a:rPr lang="en-US" sz="900" dirty="0"/>
+              <a:t> IN (select c##</a:t>
+            </a:r>
+            <a:r>
+              <a:rPr lang="en-US" sz="900" dirty="0" err="1"/>
+              <a:t>course.fn_make_report</a:t>
+            </a:r>
+            <a:r>
+              <a:rPr lang="en-US" sz="900" dirty="0"/>
+              <a:t> (</a:t>
+            </a:r>
+            <a:r>
+              <a:rPr lang="en-US" sz="900" dirty="0" err="1"/>
+              <a:t>to_date</a:t>
+            </a:r>
+            <a:r>
+              <a:rPr lang="en-US" sz="900" dirty="0"/>
+              <a:t>('&amp;</a:t>
+            </a:r>
+            <a:r>
+              <a:rPr lang="en-US" sz="900" dirty="0" err="1"/>
+              <a:t>dt</a:t>
+            </a:r>
+            <a:r>
+              <a:rPr lang="en-US" sz="900" dirty="0"/>
+              <a:t>','DD.MM.YYYY')) AS </a:t>
+            </a:r>
+            <a:r>
+              <a:rPr lang="en-US" sz="900" dirty="0" err="1"/>
+              <a:t>st</a:t>
+            </a:r>
+            <a:r>
+              <a:rPr lang="en-US" sz="900" dirty="0"/>
+              <a:t> FROM dual) LOOP</a:t>
+            </a:r>
+          </a:p>
+          <a:p>
+            <a:r>
+              <a:rPr lang="en-US" sz="900" dirty="0"/>
+              <a:t>        DBMS_OUTPUT.PUT_LINE(i.st);</a:t>
+            </a:r>
+          </a:p>
+          <a:p>
+            <a:r>
+              <a:rPr lang="en-US" sz="900" dirty="0"/>
+              <a:t>    END LOOP;</a:t>
+            </a:r>
+          </a:p>
+          <a:p>
+            <a:endParaRPr lang="en-US" sz="900" dirty="0"/>
+          </a:p>
+          <a:p>
+            <a:r>
+              <a:rPr lang="en-US" sz="900" dirty="0"/>
+              <a:t>END;</a:t>
+            </a:r>
+          </a:p>
+          <a:p>
+            <a:r>
+              <a:rPr lang="en-US" sz="900" dirty="0"/>
+              <a:t>/</a:t>
+            </a:r>
+          </a:p>
+          <a:p>
+            <a:endParaRPr lang="en-US" sz="900" dirty="0"/>
+          </a:p>
+          <a:p>
+            <a:r>
+              <a:rPr lang="en-US" sz="900"/>
+              <a:t>SPOOL OFF</a:t>
+            </a:r>
+            <a:endParaRPr lang="en-US" sz="900" dirty="0"/>
+          </a:p>
+        </p:txBody>
+      </p:sp>
+    </p:spTree>
+    <p:extLst>
+      <p:ext uri="{BB962C8B-B14F-4D97-AF65-F5344CB8AC3E}">
+        <p14:creationId xmlns:p14="http://schemas.microsoft.com/office/powerpoint/2010/main" val="375274688"/>
       </p:ext>
     </p:extLst>
   </p:cSld>
